--- a/Docs/LibraryWireframe.pptx
+++ b/Docs/LibraryWireframe.pptx
@@ -5,22 +5,27 @@
     <p:sldMasterId id="2147483648" r:id="rId1"/>
   </p:sldMasterIdLst>
   <p:notesMasterIdLst>
-    <p:notesMasterId r:id="rId15"/>
+    <p:notesMasterId r:id="rId20"/>
   </p:notesMasterIdLst>
   <p:sldIdLst>
     <p:sldId id="256" r:id="rId2"/>
     <p:sldId id="260" r:id="rId3"/>
     <p:sldId id="266" r:id="rId4"/>
-    <p:sldId id="270" r:id="rId5"/>
-    <p:sldId id="259" r:id="rId6"/>
-    <p:sldId id="265" r:id="rId7"/>
-    <p:sldId id="261" r:id="rId8"/>
-    <p:sldId id="262" r:id="rId9"/>
-    <p:sldId id="263" r:id="rId10"/>
-    <p:sldId id="264" r:id="rId11"/>
-    <p:sldId id="269" r:id="rId12"/>
-    <p:sldId id="267" r:id="rId13"/>
-    <p:sldId id="268" r:id="rId14"/>
+    <p:sldId id="271" r:id="rId5"/>
+    <p:sldId id="272" r:id="rId6"/>
+    <p:sldId id="273" r:id="rId7"/>
+    <p:sldId id="259" r:id="rId8"/>
+    <p:sldId id="265" r:id="rId9"/>
+    <p:sldId id="274" r:id="rId10"/>
+    <p:sldId id="261" r:id="rId11"/>
+    <p:sldId id="262" r:id="rId12"/>
+    <p:sldId id="263" r:id="rId13"/>
+    <p:sldId id="264" r:id="rId14"/>
+    <p:sldId id="269" r:id="rId15"/>
+    <p:sldId id="275" r:id="rId16"/>
+    <p:sldId id="276" r:id="rId17"/>
+    <p:sldId id="267" r:id="rId18"/>
+    <p:sldId id="268" r:id="rId19"/>
   </p:sldIdLst>
   <p:sldSz cx="12192000" cy="6858000"/>
   <p:notesSz cx="6858000" cy="9144000"/>
@@ -119,6 +124,11 @@
       </a:defRPr>
     </a:lvl9pPr>
   </p:defaultTextStyle>
+  <p:extLst>
+    <p:ext uri="{EFAFB233-063F-42B5-8137-9DF3F51BA10A}">
+      <p15:sldGuideLst xmlns:p15="http://schemas.microsoft.com/office/powerpoint/2012/main"/>
+    </p:ext>
+  </p:extLst>
 </p:presentation>
 </file>
 
@@ -204,7 +214,7 @@
           <a:p>
             <a:fld id="{5B0F0D71-F36A-6744-BD5B-7A4858606EE8}" type="datetimeFigureOut">
               <a:rPr lang="en-US" smtClean="0"/>
-              <a:t>3/23/19</a:t>
+              <a:t>3/26/19</a:t>
             </a:fld>
             <a:endParaRPr lang="en-US"/>
           </a:p>
@@ -516,23 +526,6 @@
           <a:bodyPr/>
           <a:lstStyle/>
           <a:p>
-            <a:r>
-              <a:rPr lang="en-US" dirty="0" smtClean="0"/>
-              <a:t>CYNTHUJAA</a:t>
-            </a:r>
-          </a:p>
-          <a:p>
-            <a:endParaRPr lang="en-US" dirty="0" smtClean="0"/>
-          </a:p>
-          <a:p>
-            <a:r>
-              <a:rPr lang="en-US" dirty="0" smtClean="0"/>
-              <a:t>Have separate staff</a:t>
-            </a:r>
-            <a:r>
-              <a:rPr lang="en-US" baseline="0" dirty="0" smtClean="0"/>
-              <a:t> log-in page (customer vs. staff)</a:t>
-            </a:r>
             <a:endParaRPr lang="en-US" dirty="0"/>
           </a:p>
         </p:txBody>
@@ -655,7 +648,7 @@
     </p:spTree>
     <p:extLst>
       <p:ext uri="{BB962C8B-B14F-4D97-AF65-F5344CB8AC3E}">
-        <p14:creationId xmlns:p14="http://schemas.microsoft.com/office/powerpoint/2010/main" val="1214274222"/>
+        <p14:creationId xmlns:p14="http://schemas.microsoft.com/office/powerpoint/2010/main" val="1720560307"/>
       </p:ext>
     </p:extLst>
   </p:cSld>
@@ -711,47 +704,11 @@
           <a:p>
             <a:r>
               <a:rPr lang="en-US" dirty="0" smtClean="0"/>
-              <a:t>CYNTHUJAA</a:t>
-            </a:r>
-          </a:p>
-          <a:p>
-            <a:endParaRPr lang="en-US" dirty="0" smtClean="0"/>
-          </a:p>
-          <a:p>
-            <a:r>
-              <a:rPr lang="en-US" dirty="0" smtClean="0"/>
-              <a:t>If successful,</a:t>
+              <a:t>NO</a:t>
             </a:r>
             <a:r>
               <a:rPr lang="en-US" baseline="0" dirty="0" smtClean="0"/>
-              <a:t> goes to customer / staff account area (S)</a:t>
-            </a:r>
-            <a:endParaRPr lang="en-US" dirty="0" smtClean="0"/>
-          </a:p>
-          <a:p>
-            <a:r>
-              <a:rPr lang="en-US" dirty="0" smtClean="0"/>
-              <a:t>Error</a:t>
-            </a:r>
-            <a:r>
-              <a:rPr lang="en-US" baseline="0" dirty="0" smtClean="0"/>
-              <a:t> </a:t>
-            </a:r>
-            <a:r>
-              <a:rPr lang="mr-IN" baseline="0" dirty="0" smtClean="0"/>
-              <a:t>–</a:t>
-            </a:r>
-            <a:r>
-              <a:rPr lang="en-US" baseline="0" dirty="0" smtClean="0"/>
-              <a:t> if forgot username / password </a:t>
-            </a:r>
-            <a:r>
-              <a:rPr lang="mr-IN" baseline="0" dirty="0" smtClean="0"/>
-              <a:t>–</a:t>
-            </a:r>
-            <a:r>
-              <a:rPr lang="en-US" baseline="0" dirty="0" smtClean="0"/>
-              <a:t> show error (R)</a:t>
+              <a:t> NEED TO DO UNTIL FUNCTIONALITY COMPLETED</a:t>
             </a:r>
             <a:endParaRPr lang="en-US" dirty="0"/>
           </a:p>
@@ -783,7 +740,7 @@
     </p:spTree>
     <p:extLst>
       <p:ext uri="{BB962C8B-B14F-4D97-AF65-F5344CB8AC3E}">
-        <p14:creationId xmlns:p14="http://schemas.microsoft.com/office/powerpoint/2010/main" val="712886428"/>
+        <p14:creationId xmlns:p14="http://schemas.microsoft.com/office/powerpoint/2010/main" val="2092205711"/>
       </p:ext>
     </p:extLst>
   </p:cSld>
@@ -837,43 +794,13 @@
           <a:bodyPr/>
           <a:lstStyle/>
           <a:p>
-            <a:endParaRPr lang="en-US" dirty="0" smtClean="0"/>
-          </a:p>
-          <a:p>
             <a:r>
               <a:rPr lang="en-US" dirty="0" smtClean="0"/>
-              <a:t>If successful,</a:t>
+              <a:t>NO</a:t>
             </a:r>
             <a:r>
               <a:rPr lang="en-US" baseline="0" dirty="0" smtClean="0"/>
-              <a:t> goes to employee account area (S)</a:t>
-            </a:r>
-            <a:endParaRPr lang="en-US" dirty="0" smtClean="0"/>
-          </a:p>
-          <a:p>
-            <a:r>
-              <a:rPr lang="en-US" dirty="0" smtClean="0"/>
-              <a:t>Error</a:t>
-            </a:r>
-            <a:r>
-              <a:rPr lang="en-US" baseline="0" dirty="0" smtClean="0"/>
-              <a:t> </a:t>
-            </a:r>
-            <a:r>
-              <a:rPr lang="mr-IN" baseline="0" dirty="0" smtClean="0"/>
-              <a:t>–</a:t>
-            </a:r>
-            <a:r>
-              <a:rPr lang="en-US" baseline="0" dirty="0" smtClean="0"/>
-              <a:t> if forgot username / password </a:t>
-            </a:r>
-            <a:r>
-              <a:rPr lang="mr-IN" baseline="0" dirty="0" smtClean="0"/>
-              <a:t>–</a:t>
-            </a:r>
-            <a:r>
-              <a:rPr lang="en-US" baseline="0" dirty="0" smtClean="0"/>
-              <a:t> show error (R)</a:t>
+              <a:t> NEED TO DO UNTIL FUNCTIONALITY COMPLETED</a:t>
             </a:r>
             <a:endParaRPr lang="en-US" dirty="0"/>
           </a:p>
@@ -905,7 +832,7 @@
     </p:spTree>
     <p:extLst>
       <p:ext uri="{BB962C8B-B14F-4D97-AF65-F5344CB8AC3E}">
-        <p14:creationId xmlns:p14="http://schemas.microsoft.com/office/powerpoint/2010/main" val="1210022198"/>
+        <p14:creationId xmlns:p14="http://schemas.microsoft.com/office/powerpoint/2010/main" val="804148799"/>
       </p:ext>
     </p:extLst>
   </p:cSld>
@@ -959,6 +886,491 @@
           <a:bodyPr/>
           <a:lstStyle/>
           <a:p>
+            <a:r>
+              <a:rPr lang="en-US" dirty="0" smtClean="0"/>
+              <a:t>NO</a:t>
+            </a:r>
+            <a:r>
+              <a:rPr lang="en-US" baseline="0" dirty="0" smtClean="0"/>
+              <a:t> NEED TO DO UNTIL FUNCTIONALITY COMPLETED</a:t>
+            </a:r>
+            <a:endParaRPr lang="en-US" dirty="0"/>
+          </a:p>
+        </p:txBody>
+      </p:sp>
+      <p:sp>
+        <p:nvSpPr>
+          <p:cNvPr id="4" name="Slide Number Placeholder 3"/>
+          <p:cNvSpPr>
+            <a:spLocks noGrp="1"/>
+          </p:cNvSpPr>
+          <p:nvPr>
+            <p:ph type="sldNum" sz="quarter" idx="10"/>
+          </p:nvPr>
+        </p:nvSpPr>
+        <p:spPr/>
+        <p:txBody>
+          <a:bodyPr/>
+          <a:lstStyle/>
+          <a:p>
+            <a:fld id="{20AC136C-23A6-5A42-9A0C-945CC4C07185}" type="slidenum">
+              <a:rPr lang="en-US" smtClean="0"/>
+              <a:t>13</a:t>
+            </a:fld>
+            <a:endParaRPr lang="en-US"/>
+          </a:p>
+        </p:txBody>
+      </p:sp>
+    </p:spTree>
+    <p:extLst>
+      <p:ext uri="{BB962C8B-B14F-4D97-AF65-F5344CB8AC3E}">
+        <p14:creationId xmlns:p14="http://schemas.microsoft.com/office/powerpoint/2010/main" val="1214274222"/>
+      </p:ext>
+    </p:extLst>
+  </p:cSld>
+  <p:clrMapOvr>
+    <a:masterClrMapping/>
+  </p:clrMapOvr>
+</p:notes>
+</file>
+
+<file path=ppt/notesSlides/notesSlide14.xml><?xml version="1.0" encoding="utf-8"?>
+<p:notes xmlns:a="http://schemas.openxmlformats.org/drawingml/2006/main" xmlns:r="http://schemas.openxmlformats.org/officeDocument/2006/relationships" xmlns:p="http://schemas.openxmlformats.org/presentationml/2006/main">
+  <p:cSld>
+    <p:spTree>
+      <p:nvGrpSpPr>
+        <p:cNvPr id="1" name=""/>
+        <p:cNvGrpSpPr/>
+        <p:nvPr/>
+      </p:nvGrpSpPr>
+      <p:grpSpPr>
+        <a:xfrm>
+          <a:off x="0" y="0"/>
+          <a:ext cx="0" cy="0"/>
+          <a:chOff x="0" y="0"/>
+          <a:chExt cx="0" cy="0"/>
+        </a:xfrm>
+      </p:grpSpPr>
+      <p:sp>
+        <p:nvSpPr>
+          <p:cNvPr id="2" name="Slide Image Placeholder 1"/>
+          <p:cNvSpPr>
+            <a:spLocks noGrp="1" noRot="1" noChangeAspect="1"/>
+          </p:cNvSpPr>
+          <p:nvPr>
+            <p:ph type="sldImg"/>
+          </p:nvPr>
+        </p:nvSpPr>
+        <p:spPr/>
+      </p:sp>
+      <p:sp>
+        <p:nvSpPr>
+          <p:cNvPr id="3" name="Notes Placeholder 2"/>
+          <p:cNvSpPr>
+            <a:spLocks noGrp="1"/>
+          </p:cNvSpPr>
+          <p:nvPr>
+            <p:ph type="body" idx="1"/>
+          </p:nvPr>
+        </p:nvSpPr>
+        <p:spPr/>
+        <p:txBody>
+          <a:bodyPr/>
+          <a:lstStyle/>
+          <a:p>
+            <a:endParaRPr lang="en-US" dirty="0" smtClean="0"/>
+          </a:p>
+          <a:p>
+            <a:r>
+              <a:rPr lang="en-US" dirty="0" smtClean="0"/>
+              <a:t>Have separate staff</a:t>
+            </a:r>
+            <a:r>
+              <a:rPr lang="en-US" baseline="0" dirty="0" smtClean="0"/>
+              <a:t> log-in page (customer vs. staff)??</a:t>
+            </a:r>
+            <a:endParaRPr lang="en-US" dirty="0"/>
+          </a:p>
+        </p:txBody>
+      </p:sp>
+      <p:sp>
+        <p:nvSpPr>
+          <p:cNvPr id="4" name="Slide Number Placeholder 3"/>
+          <p:cNvSpPr>
+            <a:spLocks noGrp="1"/>
+          </p:cNvSpPr>
+          <p:nvPr>
+            <p:ph type="sldNum" sz="quarter" idx="10"/>
+          </p:nvPr>
+        </p:nvSpPr>
+        <p:spPr/>
+        <p:txBody>
+          <a:bodyPr/>
+          <a:lstStyle/>
+          <a:p>
+            <a:fld id="{20AC136C-23A6-5A42-9A0C-945CC4C07185}" type="slidenum">
+              <a:rPr lang="en-US" smtClean="0"/>
+              <a:t>14</a:t>
+            </a:fld>
+            <a:endParaRPr lang="en-US"/>
+          </a:p>
+        </p:txBody>
+      </p:sp>
+    </p:spTree>
+    <p:extLst>
+      <p:ext uri="{BB962C8B-B14F-4D97-AF65-F5344CB8AC3E}">
+        <p14:creationId xmlns:p14="http://schemas.microsoft.com/office/powerpoint/2010/main" val="712886428"/>
+      </p:ext>
+    </p:extLst>
+  </p:cSld>
+  <p:clrMapOvr>
+    <a:masterClrMapping/>
+  </p:clrMapOvr>
+</p:notes>
+</file>
+
+<file path=ppt/notesSlides/notesSlide15.xml><?xml version="1.0" encoding="utf-8"?>
+<p:notes xmlns:a="http://schemas.openxmlformats.org/drawingml/2006/main" xmlns:r="http://schemas.openxmlformats.org/officeDocument/2006/relationships" xmlns:p="http://schemas.openxmlformats.org/presentationml/2006/main">
+  <p:cSld>
+    <p:spTree>
+      <p:nvGrpSpPr>
+        <p:cNvPr id="1" name=""/>
+        <p:cNvGrpSpPr/>
+        <p:nvPr/>
+      </p:nvGrpSpPr>
+      <p:grpSpPr>
+        <a:xfrm>
+          <a:off x="0" y="0"/>
+          <a:ext cx="0" cy="0"/>
+          <a:chOff x="0" y="0"/>
+          <a:chExt cx="0" cy="0"/>
+        </a:xfrm>
+      </p:grpSpPr>
+      <p:sp>
+        <p:nvSpPr>
+          <p:cNvPr id="2" name="Slide Image Placeholder 1"/>
+          <p:cNvSpPr>
+            <a:spLocks noGrp="1" noRot="1" noChangeAspect="1"/>
+          </p:cNvSpPr>
+          <p:nvPr>
+            <p:ph type="sldImg"/>
+          </p:nvPr>
+        </p:nvSpPr>
+        <p:spPr/>
+      </p:sp>
+      <p:sp>
+        <p:nvSpPr>
+          <p:cNvPr id="3" name="Notes Placeholder 2"/>
+          <p:cNvSpPr>
+            <a:spLocks noGrp="1"/>
+          </p:cNvSpPr>
+          <p:nvPr>
+            <p:ph type="body" idx="1"/>
+          </p:nvPr>
+        </p:nvSpPr>
+        <p:spPr/>
+        <p:txBody>
+          <a:bodyPr/>
+          <a:lstStyle/>
+          <a:p>
+            <a:r>
+              <a:rPr lang="en-US" dirty="0" smtClean="0"/>
+              <a:t>Sunny day</a:t>
+            </a:r>
+            <a:endParaRPr lang="en-US" dirty="0"/>
+          </a:p>
+        </p:txBody>
+      </p:sp>
+      <p:sp>
+        <p:nvSpPr>
+          <p:cNvPr id="4" name="Slide Number Placeholder 3"/>
+          <p:cNvSpPr>
+            <a:spLocks noGrp="1"/>
+          </p:cNvSpPr>
+          <p:nvPr>
+            <p:ph type="sldNum" sz="quarter" idx="10"/>
+          </p:nvPr>
+        </p:nvSpPr>
+        <p:spPr/>
+        <p:txBody>
+          <a:bodyPr/>
+          <a:lstStyle/>
+          <a:p>
+            <a:fld id="{20AC136C-23A6-5A42-9A0C-945CC4C07185}" type="slidenum">
+              <a:rPr lang="en-US" smtClean="0"/>
+              <a:t>15</a:t>
+            </a:fld>
+            <a:endParaRPr lang="en-US"/>
+          </a:p>
+        </p:txBody>
+      </p:sp>
+    </p:spTree>
+    <p:extLst>
+      <p:ext uri="{BB962C8B-B14F-4D97-AF65-F5344CB8AC3E}">
+        <p14:creationId xmlns:p14="http://schemas.microsoft.com/office/powerpoint/2010/main" val="2092523461"/>
+      </p:ext>
+    </p:extLst>
+  </p:cSld>
+  <p:clrMapOvr>
+    <a:masterClrMapping/>
+  </p:clrMapOvr>
+</p:notes>
+</file>
+
+<file path=ppt/notesSlides/notesSlide16.xml><?xml version="1.0" encoding="utf-8"?>
+<p:notes xmlns:a="http://schemas.openxmlformats.org/drawingml/2006/main" xmlns:r="http://schemas.openxmlformats.org/officeDocument/2006/relationships" xmlns:p="http://schemas.openxmlformats.org/presentationml/2006/main">
+  <p:cSld>
+    <p:spTree>
+      <p:nvGrpSpPr>
+        <p:cNvPr id="1" name=""/>
+        <p:cNvGrpSpPr/>
+        <p:nvPr/>
+      </p:nvGrpSpPr>
+      <p:grpSpPr>
+        <a:xfrm>
+          <a:off x="0" y="0"/>
+          <a:ext cx="0" cy="0"/>
+          <a:chOff x="0" y="0"/>
+          <a:chExt cx="0" cy="0"/>
+        </a:xfrm>
+      </p:grpSpPr>
+      <p:sp>
+        <p:nvSpPr>
+          <p:cNvPr id="2" name="Slide Image Placeholder 1"/>
+          <p:cNvSpPr>
+            <a:spLocks noGrp="1" noRot="1" noChangeAspect="1"/>
+          </p:cNvSpPr>
+          <p:nvPr>
+            <p:ph type="sldImg"/>
+          </p:nvPr>
+        </p:nvSpPr>
+        <p:spPr/>
+      </p:sp>
+      <p:sp>
+        <p:nvSpPr>
+          <p:cNvPr id="3" name="Notes Placeholder 2"/>
+          <p:cNvSpPr>
+            <a:spLocks noGrp="1"/>
+          </p:cNvSpPr>
+          <p:nvPr>
+            <p:ph type="body" idx="1"/>
+          </p:nvPr>
+        </p:nvSpPr>
+        <p:spPr/>
+        <p:txBody>
+          <a:bodyPr/>
+          <a:lstStyle/>
+          <a:p>
+            <a:r>
+              <a:rPr lang="en-US" dirty="0" smtClean="0"/>
+              <a:t>Rainy day</a:t>
+            </a:r>
+            <a:endParaRPr lang="en-US" dirty="0"/>
+          </a:p>
+        </p:txBody>
+      </p:sp>
+      <p:sp>
+        <p:nvSpPr>
+          <p:cNvPr id="4" name="Slide Number Placeholder 3"/>
+          <p:cNvSpPr>
+            <a:spLocks noGrp="1"/>
+          </p:cNvSpPr>
+          <p:nvPr>
+            <p:ph type="sldNum" sz="quarter" idx="10"/>
+          </p:nvPr>
+        </p:nvSpPr>
+        <p:spPr/>
+        <p:txBody>
+          <a:bodyPr/>
+          <a:lstStyle/>
+          <a:p>
+            <a:fld id="{20AC136C-23A6-5A42-9A0C-945CC4C07185}" type="slidenum">
+              <a:rPr lang="en-US" smtClean="0"/>
+              <a:t>16</a:t>
+            </a:fld>
+            <a:endParaRPr lang="en-US"/>
+          </a:p>
+        </p:txBody>
+      </p:sp>
+    </p:spTree>
+    <p:extLst>
+      <p:ext uri="{BB962C8B-B14F-4D97-AF65-F5344CB8AC3E}">
+        <p14:creationId xmlns:p14="http://schemas.microsoft.com/office/powerpoint/2010/main" val="1412979917"/>
+      </p:ext>
+    </p:extLst>
+  </p:cSld>
+  <p:clrMapOvr>
+    <a:masterClrMapping/>
+  </p:clrMapOvr>
+</p:notes>
+</file>
+
+<file path=ppt/notesSlides/notesSlide17.xml><?xml version="1.0" encoding="utf-8"?>
+<p:notes xmlns:a="http://schemas.openxmlformats.org/drawingml/2006/main" xmlns:r="http://schemas.openxmlformats.org/officeDocument/2006/relationships" xmlns:p="http://schemas.openxmlformats.org/presentationml/2006/main">
+  <p:cSld>
+    <p:spTree>
+      <p:nvGrpSpPr>
+        <p:cNvPr id="1" name=""/>
+        <p:cNvGrpSpPr/>
+        <p:nvPr/>
+      </p:nvGrpSpPr>
+      <p:grpSpPr>
+        <a:xfrm>
+          <a:off x="0" y="0"/>
+          <a:ext cx="0" cy="0"/>
+          <a:chOff x="0" y="0"/>
+          <a:chExt cx="0" cy="0"/>
+        </a:xfrm>
+      </p:grpSpPr>
+      <p:sp>
+        <p:nvSpPr>
+          <p:cNvPr id="2" name="Slide Image Placeholder 1"/>
+          <p:cNvSpPr>
+            <a:spLocks noGrp="1" noRot="1" noChangeAspect="1"/>
+          </p:cNvSpPr>
+          <p:nvPr>
+            <p:ph type="sldImg"/>
+          </p:nvPr>
+        </p:nvSpPr>
+        <p:spPr/>
+      </p:sp>
+      <p:sp>
+        <p:nvSpPr>
+          <p:cNvPr id="3" name="Notes Placeholder 2"/>
+          <p:cNvSpPr>
+            <a:spLocks noGrp="1"/>
+          </p:cNvSpPr>
+          <p:nvPr>
+            <p:ph type="body" idx="1"/>
+          </p:nvPr>
+        </p:nvSpPr>
+        <p:spPr/>
+        <p:txBody>
+          <a:bodyPr/>
+          <a:lstStyle/>
+          <a:p>
+            <a:endParaRPr lang="en-US" dirty="0" smtClean="0"/>
+          </a:p>
+          <a:p>
+            <a:r>
+              <a:rPr lang="en-US" dirty="0" smtClean="0"/>
+              <a:t>If successful,</a:t>
+            </a:r>
+            <a:r>
+              <a:rPr lang="en-US" baseline="0" dirty="0" smtClean="0"/>
+              <a:t> goes to employee account area (S)</a:t>
+            </a:r>
+            <a:endParaRPr lang="en-US" dirty="0" smtClean="0"/>
+          </a:p>
+          <a:p>
+            <a:r>
+              <a:rPr lang="en-US" dirty="0" smtClean="0"/>
+              <a:t>Error</a:t>
+            </a:r>
+            <a:r>
+              <a:rPr lang="en-US" baseline="0" dirty="0" smtClean="0"/>
+              <a:t> </a:t>
+            </a:r>
+            <a:r>
+              <a:rPr lang="mr-IN" baseline="0" dirty="0" smtClean="0"/>
+              <a:t>–</a:t>
+            </a:r>
+            <a:r>
+              <a:rPr lang="en-US" baseline="0" dirty="0" smtClean="0"/>
+              <a:t> if forgot username / password </a:t>
+            </a:r>
+            <a:r>
+              <a:rPr lang="mr-IN" baseline="0" dirty="0" smtClean="0"/>
+              <a:t>–</a:t>
+            </a:r>
+            <a:r>
+              <a:rPr lang="en-US" baseline="0" dirty="0" smtClean="0"/>
+              <a:t> show error (R)</a:t>
+            </a:r>
+            <a:endParaRPr lang="en-US" dirty="0"/>
+          </a:p>
+        </p:txBody>
+      </p:sp>
+      <p:sp>
+        <p:nvSpPr>
+          <p:cNvPr id="4" name="Slide Number Placeholder 3"/>
+          <p:cNvSpPr>
+            <a:spLocks noGrp="1"/>
+          </p:cNvSpPr>
+          <p:nvPr>
+            <p:ph type="sldNum" sz="quarter" idx="10"/>
+          </p:nvPr>
+        </p:nvSpPr>
+        <p:spPr/>
+        <p:txBody>
+          <a:bodyPr/>
+          <a:lstStyle/>
+          <a:p>
+            <a:fld id="{20AC136C-23A6-5A42-9A0C-945CC4C07185}" type="slidenum">
+              <a:rPr lang="en-US" smtClean="0"/>
+              <a:t>17</a:t>
+            </a:fld>
+            <a:endParaRPr lang="en-US"/>
+          </a:p>
+        </p:txBody>
+      </p:sp>
+    </p:spTree>
+    <p:extLst>
+      <p:ext uri="{BB962C8B-B14F-4D97-AF65-F5344CB8AC3E}">
+        <p14:creationId xmlns:p14="http://schemas.microsoft.com/office/powerpoint/2010/main" val="1210022198"/>
+      </p:ext>
+    </p:extLst>
+  </p:cSld>
+  <p:clrMapOvr>
+    <a:masterClrMapping/>
+  </p:clrMapOvr>
+</p:notes>
+</file>
+
+<file path=ppt/notesSlides/notesSlide18.xml><?xml version="1.0" encoding="utf-8"?>
+<p:notes xmlns:a="http://schemas.openxmlformats.org/drawingml/2006/main" xmlns:r="http://schemas.openxmlformats.org/officeDocument/2006/relationships" xmlns:p="http://schemas.openxmlformats.org/presentationml/2006/main">
+  <p:cSld>
+    <p:spTree>
+      <p:nvGrpSpPr>
+        <p:cNvPr id="1" name=""/>
+        <p:cNvGrpSpPr/>
+        <p:nvPr/>
+      </p:nvGrpSpPr>
+      <p:grpSpPr>
+        <a:xfrm>
+          <a:off x="0" y="0"/>
+          <a:ext cx="0" cy="0"/>
+          <a:chOff x="0" y="0"/>
+          <a:chExt cx="0" cy="0"/>
+        </a:xfrm>
+      </p:grpSpPr>
+      <p:sp>
+        <p:nvSpPr>
+          <p:cNvPr id="2" name="Slide Image Placeholder 1"/>
+          <p:cNvSpPr>
+            <a:spLocks noGrp="1" noRot="1" noChangeAspect="1"/>
+          </p:cNvSpPr>
+          <p:nvPr>
+            <p:ph type="sldImg"/>
+          </p:nvPr>
+        </p:nvSpPr>
+        <p:spPr/>
+      </p:sp>
+      <p:sp>
+        <p:nvSpPr>
+          <p:cNvPr id="3" name="Notes Placeholder 2"/>
+          <p:cNvSpPr>
+            <a:spLocks noGrp="1"/>
+          </p:cNvSpPr>
+          <p:nvPr>
+            <p:ph type="body" idx="1"/>
+          </p:nvPr>
+        </p:nvSpPr>
+        <p:spPr/>
+        <p:txBody>
+          <a:bodyPr/>
+          <a:lstStyle/>
+          <a:p>
             <a:pPr marL="0" marR="0" indent="0" algn="l" defTabSz="914400" rtl="0" eaLnBrk="1" fontAlgn="auto" latinLnBrk="0" hangingPunct="1">
               <a:lnSpc>
                 <a:spcPct val="100000"/>
@@ -1059,7 +1471,7 @@
           <a:p>
             <a:fld id="{20AC136C-23A6-5A42-9A0C-945CC4C07185}" type="slidenum">
               <a:rPr lang="en-US" smtClean="0"/>
-              <a:t>13</a:t>
+              <a:t>18</a:t>
             </a:fld>
             <a:endParaRPr lang="en-US"/>
           </a:p>
@@ -1277,16 +1689,19 @@
           <a:p>
             <a:r>
               <a:rPr lang="en-US" dirty="0" smtClean="0"/>
-              <a:t>MEL</a:t>
-            </a:r>
-          </a:p>
-          <a:p>
-            <a:endParaRPr lang="en-US" dirty="0" smtClean="0"/>
-          </a:p>
-          <a:p>
+              <a:t>Sunny Day </a:t>
+            </a:r>
+            <a:r>
+              <a:rPr lang="mr-IN" dirty="0" smtClean="0"/>
+              <a:t>–</a:t>
+            </a:r>
             <a:r>
               <a:rPr lang="en-US" dirty="0" smtClean="0"/>
-              <a:t>SUNNY DAY</a:t>
+              <a:t> returns</a:t>
+            </a:r>
+            <a:r>
+              <a:rPr lang="en-US" baseline="0" dirty="0" smtClean="0"/>
+              <a:t> list of search results</a:t>
             </a:r>
             <a:endParaRPr lang="en-US" dirty="0"/>
           </a:p>
@@ -1374,20 +1789,19 @@
           <a:p>
             <a:r>
               <a:rPr lang="en-US" dirty="0" smtClean="0"/>
-              <a:t>SARAH</a:t>
-            </a:r>
-          </a:p>
-          <a:p>
-            <a:endParaRPr lang="en-US" dirty="0" smtClean="0"/>
-          </a:p>
-          <a:p>
-            <a:r>
-              <a:rPr lang="en-US" smtClean="0"/>
-              <a:t>SUNNY DAY / RAINY</a:t>
-            </a:r>
-            <a:r>
-              <a:rPr lang="en-US" baseline="0" smtClean="0"/>
-              <a:t> DAY</a:t>
+              <a:t>Rainy day </a:t>
+            </a:r>
+            <a:r>
+              <a:rPr lang="mr-IN" dirty="0" smtClean="0"/>
+              <a:t>–</a:t>
+            </a:r>
+            <a:r>
+              <a:rPr lang="en-US" dirty="0" smtClean="0"/>
+              <a:t> does not return</a:t>
+            </a:r>
+            <a:r>
+              <a:rPr lang="en-US" baseline="0" dirty="0" smtClean="0"/>
+              <a:t> any searches. Provides link to retry search.</a:t>
             </a:r>
             <a:endParaRPr lang="en-US" dirty="0"/>
           </a:p>
@@ -1419,7 +1833,7 @@
     </p:spTree>
     <p:extLst>
       <p:ext uri="{BB962C8B-B14F-4D97-AF65-F5344CB8AC3E}">
-        <p14:creationId xmlns:p14="http://schemas.microsoft.com/office/powerpoint/2010/main" val="1617700879"/>
+        <p14:creationId xmlns:p14="http://schemas.microsoft.com/office/powerpoint/2010/main" val="1191402016"/>
       </p:ext>
     </p:extLst>
   </p:cSld>
@@ -1475,7 +1889,15 @@
           <a:p>
             <a:r>
               <a:rPr lang="en-US" dirty="0" smtClean="0"/>
-              <a:t>FAITH </a:t>
+              <a:t>Sunny Day </a:t>
+            </a:r>
+            <a:r>
+              <a:rPr lang="mr-IN" dirty="0" smtClean="0"/>
+              <a:t>–</a:t>
+            </a:r>
+            <a:r>
+              <a:rPr lang="en-US" dirty="0" smtClean="0"/>
+              <a:t> user able to borrow or renew books</a:t>
             </a:r>
             <a:endParaRPr lang="en-US" dirty="0"/>
           </a:p>
@@ -1507,7 +1929,7 @@
     </p:spTree>
     <p:extLst>
       <p:ext uri="{BB962C8B-B14F-4D97-AF65-F5344CB8AC3E}">
-        <p14:creationId xmlns:p14="http://schemas.microsoft.com/office/powerpoint/2010/main" val="1189786400"/>
+        <p14:creationId xmlns:p14="http://schemas.microsoft.com/office/powerpoint/2010/main" val="1306865673"/>
       </p:ext>
     </p:extLst>
   </p:cSld>
@@ -1563,11 +1985,19 @@
           <a:p>
             <a:r>
               <a:rPr lang="en-US" dirty="0" smtClean="0"/>
-              <a:t>FAITH</a:t>
+              <a:t>Rainy</a:t>
             </a:r>
             <a:r>
               <a:rPr lang="en-US" baseline="0" dirty="0" smtClean="0"/>
-              <a:t> + Error Page</a:t>
+              <a:t> day </a:t>
+            </a:r>
+            <a:r>
+              <a:rPr lang="mr-IN" baseline="0" dirty="0" smtClean="0"/>
+              <a:t>–</a:t>
+            </a:r>
+            <a:r>
+              <a:rPr lang="en-US" baseline="0" dirty="0" smtClean="0"/>
+              <a:t> user unable to return</a:t>
             </a:r>
             <a:endParaRPr lang="en-US" dirty="0"/>
           </a:p>
@@ -1599,7 +2029,7 @@
     </p:spTree>
     <p:extLst>
       <p:ext uri="{BB962C8B-B14F-4D97-AF65-F5344CB8AC3E}">
-        <p14:creationId xmlns:p14="http://schemas.microsoft.com/office/powerpoint/2010/main" val="423688866"/>
+        <p14:creationId xmlns:p14="http://schemas.microsoft.com/office/powerpoint/2010/main" val="57231237"/>
       </p:ext>
     </p:extLst>
   </p:cSld>
@@ -1653,14 +2083,6 @@
           <a:bodyPr/>
           <a:lstStyle/>
           <a:p>
-            <a:r>
-              <a:rPr lang="en-US" dirty="0" smtClean="0"/>
-              <a:t>NO</a:t>
-            </a:r>
-            <a:r>
-              <a:rPr lang="en-US" baseline="0" dirty="0" smtClean="0"/>
-              <a:t> NEED TO DO UNTIL FUNCTIONALITY COMPLETED</a:t>
-            </a:r>
             <a:endParaRPr lang="en-US" dirty="0"/>
           </a:p>
         </p:txBody>
@@ -1691,7 +2113,7 @@
     </p:spTree>
     <p:extLst>
       <p:ext uri="{BB962C8B-B14F-4D97-AF65-F5344CB8AC3E}">
-        <p14:creationId xmlns:p14="http://schemas.microsoft.com/office/powerpoint/2010/main" val="1720560307"/>
+        <p14:creationId xmlns:p14="http://schemas.microsoft.com/office/powerpoint/2010/main" val="1189786400"/>
       </p:ext>
     </p:extLst>
   </p:cSld>
@@ -1747,11 +2169,7 @@
           <a:p>
             <a:r>
               <a:rPr lang="en-US" dirty="0" smtClean="0"/>
-              <a:t>NO</a:t>
-            </a:r>
-            <a:r>
-              <a:rPr lang="en-US" baseline="0" dirty="0" smtClean="0"/>
-              <a:t> NEED TO DO UNTIL FUNCTIONALITY COMPLETED</a:t>
+              <a:t>Sunny day</a:t>
             </a:r>
             <a:endParaRPr lang="en-US" dirty="0"/>
           </a:p>
@@ -1783,7 +2201,7 @@
     </p:spTree>
     <p:extLst>
       <p:ext uri="{BB962C8B-B14F-4D97-AF65-F5344CB8AC3E}">
-        <p14:creationId xmlns:p14="http://schemas.microsoft.com/office/powerpoint/2010/main" val="2092205711"/>
+        <p14:creationId xmlns:p14="http://schemas.microsoft.com/office/powerpoint/2010/main" val="423688866"/>
       </p:ext>
     </p:extLst>
   </p:cSld>
@@ -1839,11 +2257,7 @@
           <a:p>
             <a:r>
               <a:rPr lang="en-US" dirty="0" smtClean="0"/>
-              <a:t>NO</a:t>
-            </a:r>
-            <a:r>
-              <a:rPr lang="en-US" baseline="0" dirty="0" smtClean="0"/>
-              <a:t> NEED TO DO UNTIL FUNCTIONALITY COMPLETED</a:t>
+              <a:t>Rainy day</a:t>
             </a:r>
             <a:endParaRPr lang="en-US" dirty="0"/>
           </a:p>
@@ -1875,7 +2289,7 @@
     </p:spTree>
     <p:extLst>
       <p:ext uri="{BB962C8B-B14F-4D97-AF65-F5344CB8AC3E}">
-        <p14:creationId xmlns:p14="http://schemas.microsoft.com/office/powerpoint/2010/main" val="804148799"/>
+        <p14:creationId xmlns:p14="http://schemas.microsoft.com/office/powerpoint/2010/main" val="1275077722"/>
       </p:ext>
     </p:extLst>
   </p:cSld>
@@ -2016,7 +2430,7 @@
           <a:p>
             <a:fld id="{A59AEE69-52C7-2C4A-B2C1-F4F7A372C62A}" type="datetimeFigureOut">
               <a:rPr lang="en-US" smtClean="0"/>
-              <a:t>3/23/19</a:t>
+              <a:t>3/26/19</a:t>
             </a:fld>
             <a:endParaRPr lang="en-US"/>
           </a:p>
@@ -2186,7 +2600,7 @@
           <a:p>
             <a:fld id="{A59AEE69-52C7-2C4A-B2C1-F4F7A372C62A}" type="datetimeFigureOut">
               <a:rPr lang="en-US" smtClean="0"/>
-              <a:t>3/23/19</a:t>
+              <a:t>3/26/19</a:t>
             </a:fld>
             <a:endParaRPr lang="en-US"/>
           </a:p>
@@ -2366,7 +2780,7 @@
           <a:p>
             <a:fld id="{A59AEE69-52C7-2C4A-B2C1-F4F7A372C62A}" type="datetimeFigureOut">
               <a:rPr lang="en-US" smtClean="0"/>
-              <a:t>3/23/19</a:t>
+              <a:t>3/26/19</a:t>
             </a:fld>
             <a:endParaRPr lang="en-US"/>
           </a:p>
@@ -2536,7 +2950,7 @@
           <a:p>
             <a:fld id="{A59AEE69-52C7-2C4A-B2C1-F4F7A372C62A}" type="datetimeFigureOut">
               <a:rPr lang="en-US" smtClean="0"/>
-              <a:t>3/23/19</a:t>
+              <a:t>3/26/19</a:t>
             </a:fld>
             <a:endParaRPr lang="en-US"/>
           </a:p>
@@ -2782,7 +3196,7 @@
           <a:p>
             <a:fld id="{A59AEE69-52C7-2C4A-B2C1-F4F7A372C62A}" type="datetimeFigureOut">
               <a:rPr lang="en-US" smtClean="0"/>
-              <a:t>3/23/19</a:t>
+              <a:t>3/26/19</a:t>
             </a:fld>
             <a:endParaRPr lang="en-US"/>
           </a:p>
@@ -3014,7 +3428,7 @@
           <a:p>
             <a:fld id="{A59AEE69-52C7-2C4A-B2C1-F4F7A372C62A}" type="datetimeFigureOut">
               <a:rPr lang="en-US" smtClean="0"/>
-              <a:t>3/23/19</a:t>
+              <a:t>3/26/19</a:t>
             </a:fld>
             <a:endParaRPr lang="en-US"/>
           </a:p>
@@ -3381,7 +3795,7 @@
           <a:p>
             <a:fld id="{A59AEE69-52C7-2C4A-B2C1-F4F7A372C62A}" type="datetimeFigureOut">
               <a:rPr lang="en-US" smtClean="0"/>
-              <a:t>3/23/19</a:t>
+              <a:t>3/26/19</a:t>
             </a:fld>
             <a:endParaRPr lang="en-US"/>
           </a:p>
@@ -3499,7 +3913,7 @@
           <a:p>
             <a:fld id="{A59AEE69-52C7-2C4A-B2C1-F4F7A372C62A}" type="datetimeFigureOut">
               <a:rPr lang="en-US" smtClean="0"/>
-              <a:t>3/23/19</a:t>
+              <a:t>3/26/19</a:t>
             </a:fld>
             <a:endParaRPr lang="en-US"/>
           </a:p>
@@ -3594,7 +4008,7 @@
           <a:p>
             <a:fld id="{A59AEE69-52C7-2C4A-B2C1-F4F7A372C62A}" type="datetimeFigureOut">
               <a:rPr lang="en-US" smtClean="0"/>
-              <a:t>3/23/19</a:t>
+              <a:t>3/26/19</a:t>
             </a:fld>
             <a:endParaRPr lang="en-US"/>
           </a:p>
@@ -3871,7 +4285,7 @@
           <a:p>
             <a:fld id="{A59AEE69-52C7-2C4A-B2C1-F4F7A372C62A}" type="datetimeFigureOut">
               <a:rPr lang="en-US" smtClean="0"/>
-              <a:t>3/23/19</a:t>
+              <a:t>3/26/19</a:t>
             </a:fld>
             <a:endParaRPr lang="en-US"/>
           </a:p>
@@ -4124,7 +4538,7 @@
           <a:p>
             <a:fld id="{A59AEE69-52C7-2C4A-B2C1-F4F7A372C62A}" type="datetimeFigureOut">
               <a:rPr lang="en-US" smtClean="0"/>
-              <a:t>3/23/19</a:t>
+              <a:t>3/26/19</a:t>
             </a:fld>
             <a:endParaRPr lang="en-US"/>
           </a:p>
@@ -4337,7 +4751,7 @@
           <a:p>
             <a:fld id="{A59AEE69-52C7-2C4A-B2C1-F4F7A372C62A}" type="datetimeFigureOut">
               <a:rPr lang="en-US" smtClean="0"/>
-              <a:t>3/23/19</a:t>
+              <a:t>3/26/19</a:t>
             </a:fld>
             <a:endParaRPr lang="en-US"/>
           </a:p>
@@ -4827,7 +5241,31 @@
                   <a:sysClr val="windowText" lastClr="000000"/>
                 </a:solidFill>
               </a:rPr>
-              <a:t>Search, Renew and Reserve Books</a:t>
+              <a:t>Search</a:t>
+            </a:r>
+            <a:r>
+              <a:rPr lang="en-US" smtClean="0">
+                <a:solidFill>
+                  <a:sysClr val="windowText" lastClr="000000"/>
+                </a:solidFill>
+              </a:rPr>
+              <a:t>, </a:t>
+            </a:r>
+            <a:r>
+              <a:rPr lang="en-US" smtClean="0">
+                <a:solidFill>
+                  <a:sysClr val="windowText" lastClr="000000"/>
+                </a:solidFill>
+              </a:rPr>
+              <a:t>Borrow </a:t>
+            </a:r>
+            <a:r>
+              <a:rPr lang="en-US" dirty="0" smtClean="0">
+                <a:solidFill>
+                  <a:sysClr val="windowText" lastClr="000000"/>
+                </a:solidFill>
+              </a:rPr>
+              <a:t>and Reserve Books</a:t>
             </a:r>
             <a:endParaRPr lang="en-US" dirty="0">
               <a:solidFill>
@@ -5328,7 +5766,7 @@
           <a:p>
             <a:r>
               <a:rPr lang="en-US" dirty="0" smtClean="0"/>
-              <a:t>Online services</a:t>
+              <a:t>Recommended reads</a:t>
             </a:r>
             <a:endParaRPr lang="en-US" dirty="0"/>
           </a:p>
@@ -5377,18 +5815,13 @@
           <a:p>
             <a:pPr algn="ctr"/>
             <a:r>
-              <a:rPr lang="en-GB" dirty="0" smtClean="0">
+              <a:rPr lang="en-US" dirty="0" smtClean="0">
                 <a:solidFill>
                   <a:sysClr val="windowText" lastClr="000000"/>
                 </a:solidFill>
               </a:rPr>
-              <a:t>Links to games, research, publications etc. </a:t>
-            </a:r>
-            <a:endParaRPr lang="en-US" dirty="0" smtClean="0">
-              <a:solidFill>
-                <a:sysClr val="windowText" lastClr="000000"/>
-              </a:solidFill>
-            </a:endParaRPr>
+              <a:t>List of recommended reads for the month</a:t>
+            </a:r>
           </a:p>
         </p:txBody>
       </p:sp>
@@ -5608,7 +6041,7 @@
     </p:spTree>
     <p:extLst>
       <p:ext uri="{BB962C8B-B14F-4D97-AF65-F5344CB8AC3E}">
-        <p14:creationId xmlns:p14="http://schemas.microsoft.com/office/powerpoint/2010/main" val="1986174185"/>
+        <p14:creationId xmlns:p14="http://schemas.microsoft.com/office/powerpoint/2010/main" val="1073424318"/>
       </p:ext>
     </p:extLst>
   </p:cSld>
@@ -5657,9 +6090,9 @@
             <a:avLst/>
           </a:prstGeom>
           <a:solidFill>
-            <a:schemeClr val="tx2">
-              <a:lumMod val="60000"/>
-              <a:lumOff val="40000"/>
+            <a:schemeClr val="accent2">
+              <a:lumMod val="20000"/>
+              <a:lumOff val="80000"/>
             </a:schemeClr>
           </a:solidFill>
         </p:spPr>
@@ -5671,7 +6104,7 @@
           <a:p>
             <a:r>
               <a:rPr lang="en-US" dirty="0" smtClean="0"/>
-              <a:t>Customer / Staff Account Area</a:t>
+              <a:t>Audio and e-books</a:t>
             </a:r>
             <a:endParaRPr lang="en-US" dirty="0"/>
           </a:p>
@@ -5720,17 +6153,41 @@
           <a:p>
             <a:pPr algn="ctr"/>
             <a:r>
-              <a:rPr lang="en-GB" dirty="0" smtClean="0">
+              <a:rPr lang="en-US" dirty="0" smtClean="0">
                 <a:solidFill>
                   <a:sysClr val="windowText" lastClr="000000"/>
                 </a:solidFill>
               </a:rPr>
-              <a:t>Form:</a:t>
+              <a:t>Information on audio </a:t>
+            </a:r>
+            <a:r>
+              <a:rPr lang="en-US" smtClean="0">
+                <a:solidFill>
+                  <a:sysClr val="windowText" lastClr="000000"/>
+                </a:solidFill>
+              </a:rPr>
+              <a:t>and e</a:t>
+            </a:r>
+            <a:r>
+              <a:rPr lang="mr-IN" dirty="0" smtClean="0">
+                <a:solidFill>
+                  <a:sysClr val="windowText" lastClr="000000"/>
+                </a:solidFill>
+              </a:rPr>
+              <a:t>–</a:t>
+            </a:r>
+            <a:r>
+              <a:rPr lang="en-US" dirty="0" smtClean="0">
+                <a:solidFill>
+                  <a:sysClr val="windowText" lastClr="000000"/>
+                </a:solidFill>
+              </a:rPr>
+              <a:t>books</a:t>
             </a:r>
           </a:p>
           <a:p>
             <a:pPr algn="ctr"/>
-            <a:endParaRPr lang="en-GB" dirty="0">
+            <a:endParaRPr lang="en-US" dirty="0" smtClean="0">
               <a:solidFill>
                 <a:sysClr val="windowText" lastClr="000000"/>
               </a:solidFill>
@@ -5739,12 +6196,12 @@
           <a:p>
             <a:pPr algn="ctr"/>
             <a:r>
-              <a:rPr lang="en-GB" dirty="0" smtClean="0">
+              <a:rPr lang="en-US" dirty="0" smtClean="0">
                 <a:solidFill>
                   <a:sysClr val="windowText" lastClr="000000"/>
                 </a:solidFill>
               </a:rPr>
-              <a:t>[Username/Library ID] and Password</a:t>
+              <a:t>Link to library catalogue</a:t>
             </a:r>
           </a:p>
         </p:txBody>
@@ -5965,7 +6422,7 @@
     </p:spTree>
     <p:extLst>
       <p:ext uri="{BB962C8B-B14F-4D97-AF65-F5344CB8AC3E}">
-        <p14:creationId xmlns:p14="http://schemas.microsoft.com/office/powerpoint/2010/main" val="726943973"/>
+        <p14:creationId xmlns:p14="http://schemas.microsoft.com/office/powerpoint/2010/main" val="1667591445"/>
       </p:ext>
     </p:extLst>
   </p:cSld>
@@ -6007,6 +6464,1799 @@
         </p:nvSpPr>
         <p:spPr>
           <a:xfrm>
+            <a:off x="0" y="351354"/>
+            <a:ext cx="12192000" cy="369332"/>
+          </a:xfrm>
+          <a:prstGeom prst="rect">
+            <a:avLst/>
+          </a:prstGeom>
+          <a:solidFill>
+            <a:schemeClr val="accent2">
+              <a:lumMod val="20000"/>
+              <a:lumOff val="80000"/>
+            </a:schemeClr>
+          </a:solidFill>
+        </p:spPr>
+        <p:txBody>
+          <a:bodyPr wrap="square" rtlCol="0">
+            <a:spAutoFit/>
+          </a:bodyPr>
+          <a:lstStyle/>
+          <a:p>
+            <a:r>
+              <a:rPr lang="en-US" dirty="0" smtClean="0"/>
+              <a:t>Events and Activities</a:t>
+            </a:r>
+            <a:endParaRPr lang="en-US" dirty="0"/>
+          </a:p>
+        </p:txBody>
+      </p:sp>
+      <p:sp>
+        <p:nvSpPr>
+          <p:cNvPr id="5" name="Rectangle 4"/>
+          <p:cNvSpPr/>
+          <p:nvPr/>
+        </p:nvSpPr>
+        <p:spPr>
+          <a:xfrm>
+            <a:off x="857251" y="1131332"/>
+            <a:ext cx="7258050" cy="5200649"/>
+          </a:xfrm>
+          <a:prstGeom prst="rect">
+            <a:avLst/>
+          </a:prstGeom>
+          <a:solidFill>
+            <a:schemeClr val="accent6">
+              <a:lumMod val="60000"/>
+              <a:lumOff val="40000"/>
+            </a:schemeClr>
+          </a:solidFill>
+        </p:spPr>
+        <p:style>
+          <a:lnRef idx="2">
+            <a:schemeClr val="accent1">
+              <a:shade val="50000"/>
+            </a:schemeClr>
+          </a:lnRef>
+          <a:fillRef idx="1">
+            <a:schemeClr val="accent1"/>
+          </a:fillRef>
+          <a:effectRef idx="0">
+            <a:schemeClr val="accent1"/>
+          </a:effectRef>
+          <a:fontRef idx="minor">
+            <a:schemeClr val="lt1"/>
+          </a:fontRef>
+        </p:style>
+        <p:txBody>
+          <a:bodyPr rtlCol="0" anchor="ctr"/>
+          <a:lstStyle/>
+          <a:p>
+            <a:pPr algn="ctr"/>
+            <a:r>
+              <a:rPr lang="en-US" dirty="0" smtClean="0">
+                <a:solidFill>
+                  <a:sysClr val="windowText" lastClr="000000"/>
+                </a:solidFill>
+              </a:rPr>
+              <a:t>Information regarding events:</a:t>
+            </a:r>
+          </a:p>
+          <a:p>
+            <a:pPr marL="285750" indent="-285750" algn="ctr">
+              <a:buFontTx/>
+              <a:buChar char="-"/>
+            </a:pPr>
+            <a:r>
+              <a:rPr lang="en-US" dirty="0" smtClean="0">
+                <a:solidFill>
+                  <a:sysClr val="windowText" lastClr="000000"/>
+                </a:solidFill>
+              </a:rPr>
+              <a:t>Half-terms</a:t>
+            </a:r>
+          </a:p>
+          <a:p>
+            <a:pPr marL="285750" indent="-285750" algn="ctr">
+              <a:buFontTx/>
+              <a:buChar char="-"/>
+            </a:pPr>
+            <a:r>
+              <a:rPr lang="en-US" dirty="0">
+                <a:solidFill>
+                  <a:sysClr val="windowText" lastClr="000000"/>
+                </a:solidFill>
+              </a:rPr>
+              <a:t>R</a:t>
+            </a:r>
+            <a:r>
+              <a:rPr lang="en-US" dirty="0" smtClean="0">
+                <a:solidFill>
+                  <a:sysClr val="windowText" lastClr="000000"/>
+                </a:solidFill>
+              </a:rPr>
+              <a:t>eading clubs</a:t>
+            </a:r>
+          </a:p>
+          <a:p>
+            <a:pPr marL="285750" indent="-285750" algn="ctr">
+              <a:buFontTx/>
+              <a:buChar char="-"/>
+            </a:pPr>
+            <a:r>
+              <a:rPr lang="en-US" dirty="0" smtClean="0">
+                <a:solidFill>
+                  <a:sysClr val="windowText" lastClr="000000"/>
+                </a:solidFill>
+              </a:rPr>
+              <a:t>Evenings</a:t>
+            </a:r>
+          </a:p>
+          <a:p>
+            <a:pPr marL="285750" indent="-285750" algn="ctr">
+              <a:buFontTx/>
+              <a:buChar char="-"/>
+            </a:pPr>
+            <a:r>
+              <a:rPr lang="en-US" dirty="0" smtClean="0">
+                <a:solidFill>
+                  <a:sysClr val="windowText" lastClr="000000"/>
+                </a:solidFill>
+              </a:rPr>
+              <a:t>Craft activities</a:t>
+            </a:r>
+          </a:p>
+        </p:txBody>
+      </p:sp>
+      <p:sp>
+        <p:nvSpPr>
+          <p:cNvPr id="6" name="Rectangle 5"/>
+          <p:cNvSpPr/>
+          <p:nvPr/>
+        </p:nvSpPr>
+        <p:spPr>
+          <a:xfrm>
+            <a:off x="9586913" y="0"/>
+            <a:ext cx="2605087" cy="750332"/>
+          </a:xfrm>
+          <a:prstGeom prst="rect">
+            <a:avLst/>
+          </a:prstGeom>
+          <a:solidFill>
+            <a:schemeClr val="accent4">
+              <a:lumMod val="60000"/>
+              <a:lumOff val="40000"/>
+            </a:schemeClr>
+          </a:solidFill>
+        </p:spPr>
+        <p:style>
+          <a:lnRef idx="2">
+            <a:schemeClr val="accent1">
+              <a:shade val="50000"/>
+            </a:schemeClr>
+          </a:lnRef>
+          <a:fillRef idx="1">
+            <a:schemeClr val="accent1"/>
+          </a:fillRef>
+          <a:effectRef idx="0">
+            <a:schemeClr val="accent1"/>
+          </a:effectRef>
+          <a:fontRef idx="minor">
+            <a:schemeClr val="lt1"/>
+          </a:fontRef>
+        </p:style>
+        <p:txBody>
+          <a:bodyPr rtlCol="0" anchor="ctr"/>
+          <a:lstStyle/>
+          <a:p>
+            <a:pPr algn="ctr"/>
+            <a:r>
+              <a:rPr lang="en-US" dirty="0" smtClean="0">
+                <a:ln w="0"/>
+                <a:solidFill>
+                  <a:schemeClr val="tx1"/>
+                </a:solidFill>
+                <a:effectLst>
+                  <a:outerShdw blurRad="38100" dist="19050" dir="2700000" algn="tl" rotWithShape="0">
+                    <a:schemeClr val="dk1">
+                      <a:alpha val="40000"/>
+                    </a:schemeClr>
+                  </a:outerShdw>
+                </a:effectLst>
+              </a:rPr>
+              <a:t>Account log in / My Account</a:t>
+            </a:r>
+            <a:endParaRPr lang="en-US" dirty="0">
+              <a:ln w="0"/>
+              <a:solidFill>
+                <a:schemeClr val="tx1"/>
+              </a:solidFill>
+              <a:effectLst>
+                <a:outerShdw blurRad="38100" dist="19050" dir="2700000" algn="tl" rotWithShape="0">
+                  <a:schemeClr val="dk1">
+                    <a:alpha val="40000"/>
+                  </a:schemeClr>
+                </a:outerShdw>
+              </a:effectLst>
+            </a:endParaRPr>
+          </a:p>
+        </p:txBody>
+      </p:sp>
+      <p:sp>
+        <p:nvSpPr>
+          <p:cNvPr id="11" name="Rectangle 10"/>
+          <p:cNvSpPr/>
+          <p:nvPr/>
+        </p:nvSpPr>
+        <p:spPr>
+          <a:xfrm>
+            <a:off x="8658225" y="1571625"/>
+            <a:ext cx="3000375" cy="4081463"/>
+          </a:xfrm>
+          <a:prstGeom prst="rect">
+            <a:avLst/>
+          </a:prstGeom>
+          <a:solidFill>
+            <a:schemeClr val="accent4">
+              <a:lumMod val="20000"/>
+              <a:lumOff val="80000"/>
+            </a:schemeClr>
+          </a:solidFill>
+        </p:spPr>
+        <p:style>
+          <a:lnRef idx="2">
+            <a:schemeClr val="accent1">
+              <a:shade val="50000"/>
+            </a:schemeClr>
+          </a:lnRef>
+          <a:fillRef idx="1">
+            <a:schemeClr val="accent1"/>
+          </a:fillRef>
+          <a:effectRef idx="0">
+            <a:schemeClr val="accent1"/>
+          </a:effectRef>
+          <a:fontRef idx="minor">
+            <a:schemeClr val="lt1"/>
+          </a:fontRef>
+        </p:style>
+        <p:txBody>
+          <a:bodyPr rtlCol="0" anchor="ctr"/>
+          <a:lstStyle/>
+          <a:p>
+            <a:pPr algn="ctr"/>
+            <a:r>
+              <a:rPr lang="en-US" dirty="0" smtClean="0">
+                <a:solidFill>
+                  <a:sysClr val="windowText" lastClr="000000"/>
+                </a:solidFill>
+              </a:rPr>
+              <a:t>Hyperlinks e.g.</a:t>
+            </a:r>
+          </a:p>
+          <a:p>
+            <a:pPr marL="285750" indent="-285750" algn="ctr">
+              <a:buFont typeface="Arial" charset="0"/>
+              <a:buChar char="•"/>
+            </a:pPr>
+            <a:r>
+              <a:rPr lang="en-US" dirty="0" smtClean="0">
+                <a:solidFill>
+                  <a:sysClr val="windowText" lastClr="000000"/>
+                </a:solidFill>
+              </a:rPr>
+              <a:t>Library branches</a:t>
+            </a:r>
+          </a:p>
+          <a:p>
+            <a:pPr marL="285750" indent="-285750" algn="ctr">
+              <a:buFont typeface="Arial" charset="0"/>
+              <a:buChar char="•"/>
+            </a:pPr>
+            <a:r>
+              <a:rPr lang="en-US" dirty="0" smtClean="0">
+                <a:solidFill>
+                  <a:sysClr val="windowText" lastClr="000000"/>
+                </a:solidFill>
+              </a:rPr>
+              <a:t>Opening times </a:t>
+            </a:r>
+            <a:endParaRPr lang="en-US" dirty="0">
+              <a:solidFill>
+                <a:sysClr val="windowText" lastClr="000000"/>
+              </a:solidFill>
+            </a:endParaRPr>
+          </a:p>
+        </p:txBody>
+      </p:sp>
+      <p:sp>
+        <p:nvSpPr>
+          <p:cNvPr id="7" name="Rectangle 6"/>
+          <p:cNvSpPr/>
+          <p:nvPr/>
+        </p:nvSpPr>
+        <p:spPr>
+          <a:xfrm>
+            <a:off x="0" y="6500813"/>
+            <a:ext cx="12192000" cy="357187"/>
+          </a:xfrm>
+          <a:prstGeom prst="rect">
+            <a:avLst/>
+          </a:prstGeom>
+          <a:solidFill>
+            <a:schemeClr val="bg1">
+              <a:lumMod val="65000"/>
+            </a:schemeClr>
+          </a:solidFill>
+        </p:spPr>
+        <p:style>
+          <a:lnRef idx="2">
+            <a:schemeClr val="accent1">
+              <a:shade val="50000"/>
+            </a:schemeClr>
+          </a:lnRef>
+          <a:fillRef idx="1">
+            <a:schemeClr val="accent1"/>
+          </a:fillRef>
+          <a:effectRef idx="0">
+            <a:schemeClr val="accent1"/>
+          </a:effectRef>
+          <a:fontRef idx="minor">
+            <a:schemeClr val="lt1"/>
+          </a:fontRef>
+        </p:style>
+        <p:txBody>
+          <a:bodyPr rtlCol="0" anchor="ctr"/>
+          <a:lstStyle/>
+          <a:p>
+            <a:pPr algn="ctr"/>
+            <a:r>
+              <a:rPr lang="en-US" dirty="0" smtClean="0"/>
+              <a:t>Terms of use, contact us</a:t>
+            </a:r>
+            <a:r>
+              <a:rPr lang="en-US" smtClean="0"/>
+              <a:t>, accessibility</a:t>
+            </a:r>
+            <a:endParaRPr lang="en-US"/>
+          </a:p>
+        </p:txBody>
+      </p:sp>
+    </p:spTree>
+    <p:extLst>
+      <p:ext uri="{BB962C8B-B14F-4D97-AF65-F5344CB8AC3E}">
+        <p14:creationId xmlns:p14="http://schemas.microsoft.com/office/powerpoint/2010/main" val="611640561"/>
+      </p:ext>
+    </p:extLst>
+  </p:cSld>
+  <p:clrMapOvr>
+    <a:masterClrMapping/>
+  </p:clrMapOvr>
+  <p:timing>
+    <p:tnLst>
+      <p:par>
+        <p:cTn id="1" dur="indefinite" restart="never" nodeType="tmRoot"/>
+      </p:par>
+    </p:tnLst>
+  </p:timing>
+</p:sld>
+</file>
+
+<file path=ppt/slides/slide13.xml><?xml version="1.0" encoding="utf-8"?>
+<p:sld xmlns:a="http://schemas.openxmlformats.org/drawingml/2006/main" xmlns:r="http://schemas.openxmlformats.org/officeDocument/2006/relationships" xmlns:p="http://schemas.openxmlformats.org/presentationml/2006/main">
+  <p:cSld>
+    <p:spTree>
+      <p:nvGrpSpPr>
+        <p:cNvPr id="1" name=""/>
+        <p:cNvGrpSpPr/>
+        <p:nvPr/>
+      </p:nvGrpSpPr>
+      <p:grpSpPr>
+        <a:xfrm>
+          <a:off x="0" y="0"/>
+          <a:ext cx="0" cy="0"/>
+          <a:chOff x="0" y="0"/>
+          <a:chExt cx="0" cy="0"/>
+        </a:xfrm>
+      </p:grpSpPr>
+      <p:sp>
+        <p:nvSpPr>
+          <p:cNvPr id="4" name="TextBox 3"/>
+          <p:cNvSpPr txBox="1"/>
+          <p:nvPr/>
+        </p:nvSpPr>
+        <p:spPr>
+          <a:xfrm>
+            <a:off x="0" y="381000"/>
+            <a:ext cx="12192000" cy="369332"/>
+          </a:xfrm>
+          <a:prstGeom prst="rect">
+            <a:avLst/>
+          </a:prstGeom>
+          <a:solidFill>
+            <a:schemeClr val="accent2">
+              <a:lumMod val="20000"/>
+              <a:lumOff val="80000"/>
+            </a:schemeClr>
+          </a:solidFill>
+        </p:spPr>
+        <p:txBody>
+          <a:bodyPr wrap="square" rtlCol="0">
+            <a:spAutoFit/>
+          </a:bodyPr>
+          <a:lstStyle/>
+          <a:p>
+            <a:r>
+              <a:rPr lang="en-US" dirty="0" smtClean="0"/>
+              <a:t>Online services</a:t>
+            </a:r>
+            <a:endParaRPr lang="en-US" dirty="0"/>
+          </a:p>
+        </p:txBody>
+      </p:sp>
+      <p:sp>
+        <p:nvSpPr>
+          <p:cNvPr id="5" name="Rectangle 4"/>
+          <p:cNvSpPr/>
+          <p:nvPr/>
+        </p:nvSpPr>
+        <p:spPr>
+          <a:xfrm>
+            <a:off x="857251" y="1131332"/>
+            <a:ext cx="7258050" cy="5200649"/>
+          </a:xfrm>
+          <a:prstGeom prst="rect">
+            <a:avLst/>
+          </a:prstGeom>
+          <a:solidFill>
+            <a:schemeClr val="accent6">
+              <a:lumMod val="60000"/>
+              <a:lumOff val="40000"/>
+            </a:schemeClr>
+          </a:solidFill>
+        </p:spPr>
+        <p:style>
+          <a:lnRef idx="2">
+            <a:schemeClr val="accent1">
+              <a:shade val="50000"/>
+            </a:schemeClr>
+          </a:lnRef>
+          <a:fillRef idx="1">
+            <a:schemeClr val="accent1"/>
+          </a:fillRef>
+          <a:effectRef idx="0">
+            <a:schemeClr val="accent1"/>
+          </a:effectRef>
+          <a:fontRef idx="minor">
+            <a:schemeClr val="lt1"/>
+          </a:fontRef>
+        </p:style>
+        <p:txBody>
+          <a:bodyPr rtlCol="0" anchor="ctr"/>
+          <a:lstStyle/>
+          <a:p>
+            <a:pPr algn="ctr"/>
+            <a:r>
+              <a:rPr lang="en-GB" dirty="0" smtClean="0">
+                <a:solidFill>
+                  <a:sysClr val="windowText" lastClr="000000"/>
+                </a:solidFill>
+              </a:rPr>
+              <a:t>Links to games, research, publications etc. </a:t>
+            </a:r>
+            <a:endParaRPr lang="en-US" dirty="0" smtClean="0">
+              <a:solidFill>
+                <a:sysClr val="windowText" lastClr="000000"/>
+              </a:solidFill>
+            </a:endParaRPr>
+          </a:p>
+        </p:txBody>
+      </p:sp>
+      <p:sp>
+        <p:nvSpPr>
+          <p:cNvPr id="6" name="Rectangle 5"/>
+          <p:cNvSpPr/>
+          <p:nvPr/>
+        </p:nvSpPr>
+        <p:spPr>
+          <a:xfrm>
+            <a:off x="9586913" y="0"/>
+            <a:ext cx="2605087" cy="750332"/>
+          </a:xfrm>
+          <a:prstGeom prst="rect">
+            <a:avLst/>
+          </a:prstGeom>
+          <a:solidFill>
+            <a:schemeClr val="accent4">
+              <a:lumMod val="60000"/>
+              <a:lumOff val="40000"/>
+            </a:schemeClr>
+          </a:solidFill>
+        </p:spPr>
+        <p:style>
+          <a:lnRef idx="2">
+            <a:schemeClr val="accent1">
+              <a:shade val="50000"/>
+            </a:schemeClr>
+          </a:lnRef>
+          <a:fillRef idx="1">
+            <a:schemeClr val="accent1"/>
+          </a:fillRef>
+          <a:effectRef idx="0">
+            <a:schemeClr val="accent1"/>
+          </a:effectRef>
+          <a:fontRef idx="minor">
+            <a:schemeClr val="lt1"/>
+          </a:fontRef>
+        </p:style>
+        <p:txBody>
+          <a:bodyPr rtlCol="0" anchor="ctr"/>
+          <a:lstStyle/>
+          <a:p>
+            <a:pPr algn="ctr"/>
+            <a:r>
+              <a:rPr lang="en-US" dirty="0" smtClean="0">
+                <a:ln w="0"/>
+                <a:solidFill>
+                  <a:schemeClr val="tx1"/>
+                </a:solidFill>
+                <a:effectLst>
+                  <a:outerShdw blurRad="38100" dist="19050" dir="2700000" algn="tl" rotWithShape="0">
+                    <a:schemeClr val="dk1">
+                      <a:alpha val="40000"/>
+                    </a:schemeClr>
+                  </a:outerShdw>
+                </a:effectLst>
+              </a:rPr>
+              <a:t>Account log in / My Account</a:t>
+            </a:r>
+            <a:endParaRPr lang="en-US" dirty="0">
+              <a:ln w="0"/>
+              <a:solidFill>
+                <a:schemeClr val="tx1"/>
+              </a:solidFill>
+              <a:effectLst>
+                <a:outerShdw blurRad="38100" dist="19050" dir="2700000" algn="tl" rotWithShape="0">
+                  <a:schemeClr val="dk1">
+                    <a:alpha val="40000"/>
+                  </a:schemeClr>
+                </a:outerShdw>
+              </a:effectLst>
+            </a:endParaRPr>
+          </a:p>
+        </p:txBody>
+      </p:sp>
+      <p:sp>
+        <p:nvSpPr>
+          <p:cNvPr id="11" name="Rectangle 10"/>
+          <p:cNvSpPr/>
+          <p:nvPr/>
+        </p:nvSpPr>
+        <p:spPr>
+          <a:xfrm>
+            <a:off x="8658225" y="1571625"/>
+            <a:ext cx="3000375" cy="4081463"/>
+          </a:xfrm>
+          <a:prstGeom prst="rect">
+            <a:avLst/>
+          </a:prstGeom>
+          <a:solidFill>
+            <a:schemeClr val="accent4">
+              <a:lumMod val="20000"/>
+              <a:lumOff val="80000"/>
+            </a:schemeClr>
+          </a:solidFill>
+        </p:spPr>
+        <p:style>
+          <a:lnRef idx="2">
+            <a:schemeClr val="accent1">
+              <a:shade val="50000"/>
+            </a:schemeClr>
+          </a:lnRef>
+          <a:fillRef idx="1">
+            <a:schemeClr val="accent1"/>
+          </a:fillRef>
+          <a:effectRef idx="0">
+            <a:schemeClr val="accent1"/>
+          </a:effectRef>
+          <a:fontRef idx="minor">
+            <a:schemeClr val="lt1"/>
+          </a:fontRef>
+        </p:style>
+        <p:txBody>
+          <a:bodyPr rtlCol="0" anchor="ctr"/>
+          <a:lstStyle/>
+          <a:p>
+            <a:pPr algn="ctr"/>
+            <a:r>
+              <a:rPr lang="en-US" dirty="0" smtClean="0">
+                <a:solidFill>
+                  <a:sysClr val="windowText" lastClr="000000"/>
+                </a:solidFill>
+              </a:rPr>
+              <a:t>Hyperlinks e.g.</a:t>
+            </a:r>
+          </a:p>
+          <a:p>
+            <a:pPr marL="285750" indent="-285750" algn="ctr">
+              <a:buFont typeface="Arial" charset="0"/>
+              <a:buChar char="•"/>
+            </a:pPr>
+            <a:r>
+              <a:rPr lang="en-US" dirty="0" smtClean="0">
+                <a:solidFill>
+                  <a:sysClr val="windowText" lastClr="000000"/>
+                </a:solidFill>
+              </a:rPr>
+              <a:t>Library branches</a:t>
+            </a:r>
+          </a:p>
+          <a:p>
+            <a:pPr marL="285750" indent="-285750" algn="ctr">
+              <a:buFont typeface="Arial" charset="0"/>
+              <a:buChar char="•"/>
+            </a:pPr>
+            <a:r>
+              <a:rPr lang="en-US" dirty="0" smtClean="0">
+                <a:solidFill>
+                  <a:sysClr val="windowText" lastClr="000000"/>
+                </a:solidFill>
+              </a:rPr>
+              <a:t>Opening times </a:t>
+            </a:r>
+            <a:endParaRPr lang="en-US" dirty="0">
+              <a:solidFill>
+                <a:sysClr val="windowText" lastClr="000000"/>
+              </a:solidFill>
+            </a:endParaRPr>
+          </a:p>
+        </p:txBody>
+      </p:sp>
+      <p:sp>
+        <p:nvSpPr>
+          <p:cNvPr id="7" name="Rectangle 6"/>
+          <p:cNvSpPr/>
+          <p:nvPr/>
+        </p:nvSpPr>
+        <p:spPr>
+          <a:xfrm>
+            <a:off x="0" y="6500813"/>
+            <a:ext cx="12192000" cy="357187"/>
+          </a:xfrm>
+          <a:prstGeom prst="rect">
+            <a:avLst/>
+          </a:prstGeom>
+          <a:solidFill>
+            <a:schemeClr val="bg1">
+              <a:lumMod val="65000"/>
+            </a:schemeClr>
+          </a:solidFill>
+        </p:spPr>
+        <p:style>
+          <a:lnRef idx="2">
+            <a:schemeClr val="accent1">
+              <a:shade val="50000"/>
+            </a:schemeClr>
+          </a:lnRef>
+          <a:fillRef idx="1">
+            <a:schemeClr val="accent1"/>
+          </a:fillRef>
+          <a:effectRef idx="0">
+            <a:schemeClr val="accent1"/>
+          </a:effectRef>
+          <a:fontRef idx="minor">
+            <a:schemeClr val="lt1"/>
+          </a:fontRef>
+        </p:style>
+        <p:txBody>
+          <a:bodyPr rtlCol="0" anchor="ctr"/>
+          <a:lstStyle/>
+          <a:p>
+            <a:pPr algn="ctr"/>
+            <a:r>
+              <a:rPr lang="en-US" dirty="0" smtClean="0"/>
+              <a:t>Terms of use, contact us</a:t>
+            </a:r>
+            <a:r>
+              <a:rPr lang="en-US" smtClean="0"/>
+              <a:t>, accessibility</a:t>
+            </a:r>
+            <a:endParaRPr lang="en-US"/>
+          </a:p>
+        </p:txBody>
+      </p:sp>
+    </p:spTree>
+    <p:extLst>
+      <p:ext uri="{BB962C8B-B14F-4D97-AF65-F5344CB8AC3E}">
+        <p14:creationId xmlns:p14="http://schemas.microsoft.com/office/powerpoint/2010/main" val="1986174185"/>
+      </p:ext>
+    </p:extLst>
+  </p:cSld>
+  <p:clrMapOvr>
+    <a:masterClrMapping/>
+  </p:clrMapOvr>
+  <p:timing>
+    <p:tnLst>
+      <p:par>
+        <p:cTn id="1" dur="indefinite" restart="never" nodeType="tmRoot"/>
+      </p:par>
+    </p:tnLst>
+  </p:timing>
+</p:sld>
+</file>
+
+<file path=ppt/slides/slide14.xml><?xml version="1.0" encoding="utf-8"?>
+<p:sld xmlns:a="http://schemas.openxmlformats.org/drawingml/2006/main" xmlns:r="http://schemas.openxmlformats.org/officeDocument/2006/relationships" xmlns:p="http://schemas.openxmlformats.org/presentationml/2006/main">
+  <p:cSld>
+    <p:spTree>
+      <p:nvGrpSpPr>
+        <p:cNvPr id="1" name=""/>
+        <p:cNvGrpSpPr/>
+        <p:nvPr/>
+      </p:nvGrpSpPr>
+      <p:grpSpPr>
+        <a:xfrm>
+          <a:off x="0" y="0"/>
+          <a:ext cx="0" cy="0"/>
+          <a:chOff x="0" y="0"/>
+          <a:chExt cx="0" cy="0"/>
+        </a:xfrm>
+      </p:grpSpPr>
+      <p:sp>
+        <p:nvSpPr>
+          <p:cNvPr id="4" name="TextBox 3"/>
+          <p:cNvSpPr txBox="1"/>
+          <p:nvPr/>
+        </p:nvSpPr>
+        <p:spPr>
+          <a:xfrm>
+            <a:off x="0" y="381000"/>
+            <a:ext cx="12192000" cy="369332"/>
+          </a:xfrm>
+          <a:prstGeom prst="rect">
+            <a:avLst/>
+          </a:prstGeom>
+          <a:solidFill>
+            <a:schemeClr val="tx2">
+              <a:lumMod val="60000"/>
+              <a:lumOff val="40000"/>
+            </a:schemeClr>
+          </a:solidFill>
+        </p:spPr>
+        <p:txBody>
+          <a:bodyPr wrap="square" rtlCol="0">
+            <a:spAutoFit/>
+          </a:bodyPr>
+          <a:lstStyle/>
+          <a:p>
+            <a:r>
+              <a:rPr lang="en-US" dirty="0" smtClean="0"/>
+              <a:t>Customer / Staff Account Area</a:t>
+            </a:r>
+            <a:endParaRPr lang="en-US" dirty="0"/>
+          </a:p>
+        </p:txBody>
+      </p:sp>
+      <p:sp>
+        <p:nvSpPr>
+          <p:cNvPr id="5" name="Rectangle 4"/>
+          <p:cNvSpPr/>
+          <p:nvPr/>
+        </p:nvSpPr>
+        <p:spPr>
+          <a:xfrm>
+            <a:off x="857251" y="1131332"/>
+            <a:ext cx="7258050" cy="5200649"/>
+          </a:xfrm>
+          <a:prstGeom prst="rect">
+            <a:avLst/>
+          </a:prstGeom>
+          <a:solidFill>
+            <a:schemeClr val="accent6">
+              <a:lumMod val="60000"/>
+              <a:lumOff val="40000"/>
+            </a:schemeClr>
+          </a:solidFill>
+        </p:spPr>
+        <p:style>
+          <a:lnRef idx="2">
+            <a:schemeClr val="accent1">
+              <a:shade val="50000"/>
+            </a:schemeClr>
+          </a:lnRef>
+          <a:fillRef idx="1">
+            <a:schemeClr val="accent1"/>
+          </a:fillRef>
+          <a:effectRef idx="0">
+            <a:schemeClr val="accent1"/>
+          </a:effectRef>
+          <a:fontRef idx="minor">
+            <a:schemeClr val="lt1"/>
+          </a:fontRef>
+        </p:style>
+        <p:txBody>
+          <a:bodyPr rtlCol="0" anchor="ctr"/>
+          <a:lstStyle/>
+          <a:p>
+            <a:pPr algn="ctr"/>
+            <a:r>
+              <a:rPr lang="en-GB" dirty="0" smtClean="0">
+                <a:solidFill>
+                  <a:sysClr val="windowText" lastClr="000000"/>
+                </a:solidFill>
+              </a:rPr>
+              <a:t>Form:</a:t>
+            </a:r>
+          </a:p>
+          <a:p>
+            <a:pPr algn="ctr"/>
+            <a:endParaRPr lang="en-GB" dirty="0">
+              <a:solidFill>
+                <a:sysClr val="windowText" lastClr="000000"/>
+              </a:solidFill>
+            </a:endParaRPr>
+          </a:p>
+          <a:p>
+            <a:pPr algn="ctr"/>
+            <a:r>
+              <a:rPr lang="en-GB" dirty="0" smtClean="0">
+                <a:solidFill>
+                  <a:sysClr val="windowText" lastClr="000000"/>
+                </a:solidFill>
+              </a:rPr>
+              <a:t>[Username/Library ID] and Password</a:t>
+            </a:r>
+          </a:p>
+        </p:txBody>
+      </p:sp>
+      <p:sp>
+        <p:nvSpPr>
+          <p:cNvPr id="6" name="Rectangle 5"/>
+          <p:cNvSpPr/>
+          <p:nvPr/>
+        </p:nvSpPr>
+        <p:spPr>
+          <a:xfrm>
+            <a:off x="9586913" y="0"/>
+            <a:ext cx="2605087" cy="750332"/>
+          </a:xfrm>
+          <a:prstGeom prst="rect">
+            <a:avLst/>
+          </a:prstGeom>
+          <a:solidFill>
+            <a:schemeClr val="accent4">
+              <a:lumMod val="60000"/>
+              <a:lumOff val="40000"/>
+            </a:schemeClr>
+          </a:solidFill>
+        </p:spPr>
+        <p:style>
+          <a:lnRef idx="2">
+            <a:schemeClr val="accent1">
+              <a:shade val="50000"/>
+            </a:schemeClr>
+          </a:lnRef>
+          <a:fillRef idx="1">
+            <a:schemeClr val="accent1"/>
+          </a:fillRef>
+          <a:effectRef idx="0">
+            <a:schemeClr val="accent1"/>
+          </a:effectRef>
+          <a:fontRef idx="minor">
+            <a:schemeClr val="lt1"/>
+          </a:fontRef>
+        </p:style>
+        <p:txBody>
+          <a:bodyPr rtlCol="0" anchor="ctr"/>
+          <a:lstStyle/>
+          <a:p>
+            <a:pPr algn="ctr"/>
+            <a:r>
+              <a:rPr lang="en-US" dirty="0" smtClean="0">
+                <a:ln w="0"/>
+                <a:solidFill>
+                  <a:schemeClr val="tx1"/>
+                </a:solidFill>
+                <a:effectLst>
+                  <a:outerShdw blurRad="38100" dist="19050" dir="2700000" algn="tl" rotWithShape="0">
+                    <a:schemeClr val="dk1">
+                      <a:alpha val="40000"/>
+                    </a:schemeClr>
+                  </a:outerShdw>
+                </a:effectLst>
+              </a:rPr>
+              <a:t>Account log in / My Account</a:t>
+            </a:r>
+            <a:endParaRPr lang="en-US" dirty="0">
+              <a:ln w="0"/>
+              <a:solidFill>
+                <a:schemeClr val="tx1"/>
+              </a:solidFill>
+              <a:effectLst>
+                <a:outerShdw blurRad="38100" dist="19050" dir="2700000" algn="tl" rotWithShape="0">
+                  <a:schemeClr val="dk1">
+                    <a:alpha val="40000"/>
+                  </a:schemeClr>
+                </a:outerShdw>
+              </a:effectLst>
+            </a:endParaRPr>
+          </a:p>
+        </p:txBody>
+      </p:sp>
+      <p:sp>
+        <p:nvSpPr>
+          <p:cNvPr id="11" name="Rectangle 10"/>
+          <p:cNvSpPr/>
+          <p:nvPr/>
+        </p:nvSpPr>
+        <p:spPr>
+          <a:xfrm>
+            <a:off x="8658225" y="1571625"/>
+            <a:ext cx="3000375" cy="4081463"/>
+          </a:xfrm>
+          <a:prstGeom prst="rect">
+            <a:avLst/>
+          </a:prstGeom>
+          <a:solidFill>
+            <a:schemeClr val="accent4">
+              <a:lumMod val="20000"/>
+              <a:lumOff val="80000"/>
+            </a:schemeClr>
+          </a:solidFill>
+        </p:spPr>
+        <p:style>
+          <a:lnRef idx="2">
+            <a:schemeClr val="accent1">
+              <a:shade val="50000"/>
+            </a:schemeClr>
+          </a:lnRef>
+          <a:fillRef idx="1">
+            <a:schemeClr val="accent1"/>
+          </a:fillRef>
+          <a:effectRef idx="0">
+            <a:schemeClr val="accent1"/>
+          </a:effectRef>
+          <a:fontRef idx="minor">
+            <a:schemeClr val="lt1"/>
+          </a:fontRef>
+        </p:style>
+        <p:txBody>
+          <a:bodyPr rtlCol="0" anchor="ctr"/>
+          <a:lstStyle/>
+          <a:p>
+            <a:pPr algn="ctr"/>
+            <a:r>
+              <a:rPr lang="en-US" dirty="0" smtClean="0">
+                <a:solidFill>
+                  <a:sysClr val="windowText" lastClr="000000"/>
+                </a:solidFill>
+              </a:rPr>
+              <a:t>Hyperlinks e.g.</a:t>
+            </a:r>
+          </a:p>
+          <a:p>
+            <a:pPr marL="285750" indent="-285750" algn="ctr">
+              <a:buFont typeface="Arial" charset="0"/>
+              <a:buChar char="•"/>
+            </a:pPr>
+            <a:r>
+              <a:rPr lang="en-US" dirty="0" smtClean="0">
+                <a:solidFill>
+                  <a:sysClr val="windowText" lastClr="000000"/>
+                </a:solidFill>
+              </a:rPr>
+              <a:t>Library branches</a:t>
+            </a:r>
+          </a:p>
+          <a:p>
+            <a:pPr marL="285750" indent="-285750" algn="ctr">
+              <a:buFont typeface="Arial" charset="0"/>
+              <a:buChar char="•"/>
+            </a:pPr>
+            <a:r>
+              <a:rPr lang="en-US" dirty="0" smtClean="0">
+                <a:solidFill>
+                  <a:sysClr val="windowText" lastClr="000000"/>
+                </a:solidFill>
+              </a:rPr>
+              <a:t>Opening times </a:t>
+            </a:r>
+            <a:endParaRPr lang="en-US" dirty="0">
+              <a:solidFill>
+                <a:sysClr val="windowText" lastClr="000000"/>
+              </a:solidFill>
+            </a:endParaRPr>
+          </a:p>
+        </p:txBody>
+      </p:sp>
+      <p:sp>
+        <p:nvSpPr>
+          <p:cNvPr id="7" name="Rectangle 6"/>
+          <p:cNvSpPr/>
+          <p:nvPr/>
+        </p:nvSpPr>
+        <p:spPr>
+          <a:xfrm>
+            <a:off x="0" y="6500813"/>
+            <a:ext cx="12192000" cy="357187"/>
+          </a:xfrm>
+          <a:prstGeom prst="rect">
+            <a:avLst/>
+          </a:prstGeom>
+          <a:solidFill>
+            <a:schemeClr val="bg1">
+              <a:lumMod val="65000"/>
+            </a:schemeClr>
+          </a:solidFill>
+        </p:spPr>
+        <p:style>
+          <a:lnRef idx="2">
+            <a:schemeClr val="accent1">
+              <a:shade val="50000"/>
+            </a:schemeClr>
+          </a:lnRef>
+          <a:fillRef idx="1">
+            <a:schemeClr val="accent1"/>
+          </a:fillRef>
+          <a:effectRef idx="0">
+            <a:schemeClr val="accent1"/>
+          </a:effectRef>
+          <a:fontRef idx="minor">
+            <a:schemeClr val="lt1"/>
+          </a:fontRef>
+        </p:style>
+        <p:txBody>
+          <a:bodyPr rtlCol="0" anchor="ctr"/>
+          <a:lstStyle/>
+          <a:p>
+            <a:pPr algn="ctr"/>
+            <a:r>
+              <a:rPr lang="en-US" dirty="0" smtClean="0"/>
+              <a:t>Terms of use, contact us</a:t>
+            </a:r>
+            <a:r>
+              <a:rPr lang="en-US" smtClean="0"/>
+              <a:t>, accessibility</a:t>
+            </a:r>
+            <a:endParaRPr lang="en-US"/>
+          </a:p>
+        </p:txBody>
+      </p:sp>
+    </p:spTree>
+    <p:extLst>
+      <p:ext uri="{BB962C8B-B14F-4D97-AF65-F5344CB8AC3E}">
+        <p14:creationId xmlns:p14="http://schemas.microsoft.com/office/powerpoint/2010/main" val="726943973"/>
+      </p:ext>
+    </p:extLst>
+  </p:cSld>
+  <p:clrMapOvr>
+    <a:masterClrMapping/>
+  </p:clrMapOvr>
+  <p:timing>
+    <p:tnLst>
+      <p:par>
+        <p:cTn id="1" dur="indefinite" restart="never" nodeType="tmRoot"/>
+      </p:par>
+    </p:tnLst>
+  </p:timing>
+</p:sld>
+</file>
+
+<file path=ppt/slides/slide15.xml><?xml version="1.0" encoding="utf-8"?>
+<p:sld xmlns:a="http://schemas.openxmlformats.org/drawingml/2006/main" xmlns:r="http://schemas.openxmlformats.org/officeDocument/2006/relationships" xmlns:p="http://schemas.openxmlformats.org/presentationml/2006/main">
+  <p:cSld>
+    <p:spTree>
+      <p:nvGrpSpPr>
+        <p:cNvPr id="1" name=""/>
+        <p:cNvGrpSpPr/>
+        <p:nvPr/>
+      </p:nvGrpSpPr>
+      <p:grpSpPr>
+        <a:xfrm>
+          <a:off x="0" y="0"/>
+          <a:ext cx="0" cy="0"/>
+          <a:chOff x="0" y="0"/>
+          <a:chExt cx="0" cy="0"/>
+        </a:xfrm>
+      </p:grpSpPr>
+      <p:sp>
+        <p:nvSpPr>
+          <p:cNvPr id="4" name="TextBox 3"/>
+          <p:cNvSpPr txBox="1"/>
+          <p:nvPr/>
+        </p:nvSpPr>
+        <p:spPr>
+          <a:xfrm>
+            <a:off x="0" y="381000"/>
+            <a:ext cx="12192000" cy="369332"/>
+          </a:xfrm>
+          <a:prstGeom prst="rect">
+            <a:avLst/>
+          </a:prstGeom>
+          <a:solidFill>
+            <a:schemeClr val="accent4">
+              <a:lumMod val="40000"/>
+              <a:lumOff val="60000"/>
+            </a:schemeClr>
+          </a:solidFill>
+        </p:spPr>
+        <p:txBody>
+          <a:bodyPr wrap="square" rtlCol="0">
+            <a:spAutoFit/>
+          </a:bodyPr>
+          <a:lstStyle/>
+          <a:p>
+            <a:r>
+              <a:rPr lang="en-US" dirty="0" smtClean="0"/>
+              <a:t>Online Application form</a:t>
+            </a:r>
+            <a:endParaRPr lang="en-US" dirty="0"/>
+          </a:p>
+        </p:txBody>
+      </p:sp>
+      <p:sp>
+        <p:nvSpPr>
+          <p:cNvPr id="5" name="Rectangle 4"/>
+          <p:cNvSpPr/>
+          <p:nvPr/>
+        </p:nvSpPr>
+        <p:spPr>
+          <a:xfrm>
+            <a:off x="2143125" y="1012031"/>
+            <a:ext cx="4643438" cy="5200649"/>
+          </a:xfrm>
+          <a:prstGeom prst="rect">
+            <a:avLst/>
+          </a:prstGeom>
+          <a:solidFill>
+            <a:schemeClr val="accent2">
+              <a:lumMod val="60000"/>
+              <a:lumOff val="40000"/>
+            </a:schemeClr>
+          </a:solidFill>
+        </p:spPr>
+        <p:style>
+          <a:lnRef idx="2">
+            <a:schemeClr val="accent1">
+              <a:shade val="50000"/>
+            </a:schemeClr>
+          </a:lnRef>
+          <a:fillRef idx="1">
+            <a:schemeClr val="accent1"/>
+          </a:fillRef>
+          <a:effectRef idx="0">
+            <a:schemeClr val="accent1"/>
+          </a:effectRef>
+          <a:fontRef idx="minor">
+            <a:schemeClr val="lt1"/>
+          </a:fontRef>
+        </p:style>
+        <p:txBody>
+          <a:bodyPr rtlCol="0" anchor="ctr"/>
+          <a:lstStyle/>
+          <a:p>
+            <a:pPr algn="ctr"/>
+            <a:r>
+              <a:rPr lang="en-GB" dirty="0" smtClean="0">
+                <a:solidFill>
+                  <a:sysClr val="windowText" lastClr="000000"/>
+                </a:solidFill>
+              </a:rPr>
+              <a:t>User </a:t>
+            </a:r>
+            <a:r>
+              <a:rPr lang="en-GB" smtClean="0">
+                <a:solidFill>
+                  <a:sysClr val="windowText" lastClr="000000"/>
+                </a:solidFill>
+              </a:rPr>
+              <a:t>logged in</a:t>
+            </a:r>
+            <a:endParaRPr lang="en-US" dirty="0" smtClean="0">
+              <a:solidFill>
+                <a:sysClr val="windowText" lastClr="000000"/>
+              </a:solidFill>
+            </a:endParaRPr>
+          </a:p>
+        </p:txBody>
+      </p:sp>
+      <p:sp>
+        <p:nvSpPr>
+          <p:cNvPr id="6" name="Rectangle 5"/>
+          <p:cNvSpPr/>
+          <p:nvPr/>
+        </p:nvSpPr>
+        <p:spPr>
+          <a:xfrm>
+            <a:off x="9586913" y="0"/>
+            <a:ext cx="2605087" cy="750332"/>
+          </a:xfrm>
+          <a:prstGeom prst="rect">
+            <a:avLst/>
+          </a:prstGeom>
+          <a:solidFill>
+            <a:schemeClr val="accent4">
+              <a:lumMod val="60000"/>
+              <a:lumOff val="40000"/>
+            </a:schemeClr>
+          </a:solidFill>
+        </p:spPr>
+        <p:style>
+          <a:lnRef idx="2">
+            <a:schemeClr val="accent1">
+              <a:shade val="50000"/>
+            </a:schemeClr>
+          </a:lnRef>
+          <a:fillRef idx="1">
+            <a:schemeClr val="accent1"/>
+          </a:fillRef>
+          <a:effectRef idx="0">
+            <a:schemeClr val="accent1"/>
+          </a:effectRef>
+          <a:fontRef idx="minor">
+            <a:schemeClr val="lt1"/>
+          </a:fontRef>
+        </p:style>
+        <p:txBody>
+          <a:bodyPr rtlCol="0" anchor="ctr"/>
+          <a:lstStyle/>
+          <a:p>
+            <a:pPr algn="ctr"/>
+            <a:r>
+              <a:rPr lang="en-US" dirty="0" smtClean="0">
+                <a:ln w="0"/>
+                <a:solidFill>
+                  <a:schemeClr val="tx1"/>
+                </a:solidFill>
+                <a:effectLst>
+                  <a:outerShdw blurRad="38100" dist="19050" dir="2700000" algn="tl" rotWithShape="0">
+                    <a:schemeClr val="dk1">
+                      <a:alpha val="40000"/>
+                    </a:schemeClr>
+                  </a:outerShdw>
+                </a:effectLst>
+              </a:rPr>
+              <a:t>Account log in / My Account</a:t>
+            </a:r>
+            <a:endParaRPr lang="en-US" dirty="0">
+              <a:ln w="0"/>
+              <a:solidFill>
+                <a:schemeClr val="tx1"/>
+              </a:solidFill>
+              <a:effectLst>
+                <a:outerShdw blurRad="38100" dist="19050" dir="2700000" algn="tl" rotWithShape="0">
+                  <a:schemeClr val="dk1">
+                    <a:alpha val="40000"/>
+                  </a:schemeClr>
+                </a:outerShdw>
+              </a:effectLst>
+            </a:endParaRPr>
+          </a:p>
+        </p:txBody>
+      </p:sp>
+      <p:sp>
+        <p:nvSpPr>
+          <p:cNvPr id="11" name="Rectangle 10"/>
+          <p:cNvSpPr/>
+          <p:nvPr/>
+        </p:nvSpPr>
+        <p:spPr>
+          <a:xfrm>
+            <a:off x="8658225" y="1571625"/>
+            <a:ext cx="3000375" cy="4081463"/>
+          </a:xfrm>
+          <a:prstGeom prst="rect">
+            <a:avLst/>
+          </a:prstGeom>
+          <a:solidFill>
+            <a:schemeClr val="accent4">
+              <a:lumMod val="20000"/>
+              <a:lumOff val="80000"/>
+            </a:schemeClr>
+          </a:solidFill>
+        </p:spPr>
+        <p:style>
+          <a:lnRef idx="2">
+            <a:schemeClr val="accent1">
+              <a:shade val="50000"/>
+            </a:schemeClr>
+          </a:lnRef>
+          <a:fillRef idx="1">
+            <a:schemeClr val="accent1"/>
+          </a:fillRef>
+          <a:effectRef idx="0">
+            <a:schemeClr val="accent1"/>
+          </a:effectRef>
+          <a:fontRef idx="minor">
+            <a:schemeClr val="lt1"/>
+          </a:fontRef>
+        </p:style>
+        <p:txBody>
+          <a:bodyPr rtlCol="0" anchor="ctr"/>
+          <a:lstStyle/>
+          <a:p>
+            <a:pPr algn="ctr"/>
+            <a:r>
+              <a:rPr lang="en-US" dirty="0" smtClean="0">
+                <a:solidFill>
+                  <a:sysClr val="windowText" lastClr="000000"/>
+                </a:solidFill>
+              </a:rPr>
+              <a:t>Hyperlinks e.g.</a:t>
+            </a:r>
+          </a:p>
+          <a:p>
+            <a:pPr marL="285750" indent="-285750" algn="ctr">
+              <a:buFont typeface="Arial" charset="0"/>
+              <a:buChar char="•"/>
+            </a:pPr>
+            <a:r>
+              <a:rPr lang="en-US" dirty="0" smtClean="0">
+                <a:solidFill>
+                  <a:sysClr val="windowText" lastClr="000000"/>
+                </a:solidFill>
+              </a:rPr>
+              <a:t>Library branches</a:t>
+            </a:r>
+          </a:p>
+          <a:p>
+            <a:pPr marL="285750" indent="-285750" algn="ctr">
+              <a:buFont typeface="Arial" charset="0"/>
+              <a:buChar char="•"/>
+            </a:pPr>
+            <a:r>
+              <a:rPr lang="en-US" dirty="0" smtClean="0">
+                <a:solidFill>
+                  <a:sysClr val="windowText" lastClr="000000"/>
+                </a:solidFill>
+              </a:rPr>
+              <a:t>Opening times </a:t>
+            </a:r>
+            <a:endParaRPr lang="en-US" dirty="0">
+              <a:solidFill>
+                <a:sysClr val="windowText" lastClr="000000"/>
+              </a:solidFill>
+            </a:endParaRPr>
+          </a:p>
+        </p:txBody>
+      </p:sp>
+      <p:sp>
+        <p:nvSpPr>
+          <p:cNvPr id="7" name="Rectangle 6"/>
+          <p:cNvSpPr/>
+          <p:nvPr/>
+        </p:nvSpPr>
+        <p:spPr>
+          <a:xfrm>
+            <a:off x="0" y="6500813"/>
+            <a:ext cx="12192000" cy="357187"/>
+          </a:xfrm>
+          <a:prstGeom prst="rect">
+            <a:avLst/>
+          </a:prstGeom>
+          <a:solidFill>
+            <a:schemeClr val="bg1">
+              <a:lumMod val="65000"/>
+            </a:schemeClr>
+          </a:solidFill>
+        </p:spPr>
+        <p:style>
+          <a:lnRef idx="2">
+            <a:schemeClr val="accent1">
+              <a:shade val="50000"/>
+            </a:schemeClr>
+          </a:lnRef>
+          <a:fillRef idx="1">
+            <a:schemeClr val="accent1"/>
+          </a:fillRef>
+          <a:effectRef idx="0">
+            <a:schemeClr val="accent1"/>
+          </a:effectRef>
+          <a:fontRef idx="minor">
+            <a:schemeClr val="lt1"/>
+          </a:fontRef>
+        </p:style>
+        <p:txBody>
+          <a:bodyPr rtlCol="0" anchor="ctr"/>
+          <a:lstStyle/>
+          <a:p>
+            <a:pPr algn="ctr"/>
+            <a:r>
+              <a:rPr lang="en-US" dirty="0" smtClean="0"/>
+              <a:t>Terms of use, contact us</a:t>
+            </a:r>
+            <a:r>
+              <a:rPr lang="en-US" smtClean="0"/>
+              <a:t>, accessibility</a:t>
+            </a:r>
+            <a:endParaRPr lang="en-US"/>
+          </a:p>
+        </p:txBody>
+      </p:sp>
+    </p:spTree>
+    <p:extLst>
+      <p:ext uri="{BB962C8B-B14F-4D97-AF65-F5344CB8AC3E}">
+        <p14:creationId xmlns:p14="http://schemas.microsoft.com/office/powerpoint/2010/main" val="1011704680"/>
+      </p:ext>
+    </p:extLst>
+  </p:cSld>
+  <p:clrMapOvr>
+    <a:masterClrMapping/>
+  </p:clrMapOvr>
+  <p:timing>
+    <p:tnLst>
+      <p:par>
+        <p:cTn id="1" dur="indefinite" restart="never" nodeType="tmRoot"/>
+      </p:par>
+    </p:tnLst>
+  </p:timing>
+</p:sld>
+</file>
+
+<file path=ppt/slides/slide16.xml><?xml version="1.0" encoding="utf-8"?>
+<p:sld xmlns:a="http://schemas.openxmlformats.org/drawingml/2006/main" xmlns:r="http://schemas.openxmlformats.org/officeDocument/2006/relationships" xmlns:p="http://schemas.openxmlformats.org/presentationml/2006/main">
+  <p:cSld>
+    <p:spTree>
+      <p:nvGrpSpPr>
+        <p:cNvPr id="1" name=""/>
+        <p:cNvGrpSpPr/>
+        <p:nvPr/>
+      </p:nvGrpSpPr>
+      <p:grpSpPr>
+        <a:xfrm>
+          <a:off x="0" y="0"/>
+          <a:ext cx="0" cy="0"/>
+          <a:chOff x="0" y="0"/>
+          <a:chExt cx="0" cy="0"/>
+        </a:xfrm>
+      </p:grpSpPr>
+      <p:sp>
+        <p:nvSpPr>
+          <p:cNvPr id="4" name="TextBox 3"/>
+          <p:cNvSpPr txBox="1"/>
+          <p:nvPr/>
+        </p:nvSpPr>
+        <p:spPr>
+          <a:xfrm>
+            <a:off x="0" y="381000"/>
+            <a:ext cx="12192000" cy="369332"/>
+          </a:xfrm>
+          <a:prstGeom prst="rect">
+            <a:avLst/>
+          </a:prstGeom>
+          <a:solidFill>
+            <a:schemeClr val="accent4">
+              <a:lumMod val="40000"/>
+              <a:lumOff val="60000"/>
+            </a:schemeClr>
+          </a:solidFill>
+        </p:spPr>
+        <p:txBody>
+          <a:bodyPr wrap="square" rtlCol="0">
+            <a:spAutoFit/>
+          </a:bodyPr>
+          <a:lstStyle/>
+          <a:p>
+            <a:r>
+              <a:rPr lang="en-US" dirty="0" smtClean="0"/>
+              <a:t>Online Application form</a:t>
+            </a:r>
+            <a:endParaRPr lang="en-US" dirty="0"/>
+          </a:p>
+        </p:txBody>
+      </p:sp>
+      <p:sp>
+        <p:nvSpPr>
+          <p:cNvPr id="5" name="Rectangle 4"/>
+          <p:cNvSpPr/>
+          <p:nvPr/>
+        </p:nvSpPr>
+        <p:spPr>
+          <a:xfrm>
+            <a:off x="2143125" y="1012031"/>
+            <a:ext cx="4643438" cy="5200649"/>
+          </a:xfrm>
+          <a:prstGeom prst="rect">
+            <a:avLst/>
+          </a:prstGeom>
+          <a:solidFill>
+            <a:srgbClr val="C00000"/>
+          </a:solidFill>
+        </p:spPr>
+        <p:style>
+          <a:lnRef idx="2">
+            <a:schemeClr val="accent1">
+              <a:shade val="50000"/>
+            </a:schemeClr>
+          </a:lnRef>
+          <a:fillRef idx="1">
+            <a:schemeClr val="accent1"/>
+          </a:fillRef>
+          <a:effectRef idx="0">
+            <a:schemeClr val="accent1"/>
+          </a:effectRef>
+          <a:fontRef idx="minor">
+            <a:schemeClr val="lt1"/>
+          </a:fontRef>
+        </p:style>
+        <p:txBody>
+          <a:bodyPr rtlCol="0" anchor="ctr"/>
+          <a:lstStyle/>
+          <a:p>
+            <a:pPr algn="ctr"/>
+            <a:r>
+              <a:rPr lang="en-GB" dirty="0" smtClean="0">
+                <a:solidFill>
+                  <a:sysClr val="windowText" lastClr="000000"/>
+                </a:solidFill>
+              </a:rPr>
+              <a:t>User prompted to retry password</a:t>
+            </a:r>
+            <a:endParaRPr lang="en-US" dirty="0" smtClean="0">
+              <a:solidFill>
+                <a:sysClr val="windowText" lastClr="000000"/>
+              </a:solidFill>
+            </a:endParaRPr>
+          </a:p>
+        </p:txBody>
+      </p:sp>
+      <p:sp>
+        <p:nvSpPr>
+          <p:cNvPr id="6" name="Rectangle 5"/>
+          <p:cNvSpPr/>
+          <p:nvPr/>
+        </p:nvSpPr>
+        <p:spPr>
+          <a:xfrm>
+            <a:off x="9586913" y="0"/>
+            <a:ext cx="2605087" cy="750332"/>
+          </a:xfrm>
+          <a:prstGeom prst="rect">
+            <a:avLst/>
+          </a:prstGeom>
+          <a:solidFill>
+            <a:schemeClr val="accent4">
+              <a:lumMod val="60000"/>
+              <a:lumOff val="40000"/>
+            </a:schemeClr>
+          </a:solidFill>
+        </p:spPr>
+        <p:style>
+          <a:lnRef idx="2">
+            <a:schemeClr val="accent1">
+              <a:shade val="50000"/>
+            </a:schemeClr>
+          </a:lnRef>
+          <a:fillRef idx="1">
+            <a:schemeClr val="accent1"/>
+          </a:fillRef>
+          <a:effectRef idx="0">
+            <a:schemeClr val="accent1"/>
+          </a:effectRef>
+          <a:fontRef idx="minor">
+            <a:schemeClr val="lt1"/>
+          </a:fontRef>
+        </p:style>
+        <p:txBody>
+          <a:bodyPr rtlCol="0" anchor="ctr"/>
+          <a:lstStyle/>
+          <a:p>
+            <a:pPr algn="ctr"/>
+            <a:r>
+              <a:rPr lang="en-US" dirty="0" smtClean="0">
+                <a:ln w="0"/>
+                <a:solidFill>
+                  <a:schemeClr val="tx1"/>
+                </a:solidFill>
+                <a:effectLst>
+                  <a:outerShdw blurRad="38100" dist="19050" dir="2700000" algn="tl" rotWithShape="0">
+                    <a:schemeClr val="dk1">
+                      <a:alpha val="40000"/>
+                    </a:schemeClr>
+                  </a:outerShdw>
+                </a:effectLst>
+              </a:rPr>
+              <a:t>Account log in / My Account</a:t>
+            </a:r>
+            <a:endParaRPr lang="en-US" dirty="0">
+              <a:ln w="0"/>
+              <a:solidFill>
+                <a:schemeClr val="tx1"/>
+              </a:solidFill>
+              <a:effectLst>
+                <a:outerShdw blurRad="38100" dist="19050" dir="2700000" algn="tl" rotWithShape="0">
+                  <a:schemeClr val="dk1">
+                    <a:alpha val="40000"/>
+                  </a:schemeClr>
+                </a:outerShdw>
+              </a:effectLst>
+            </a:endParaRPr>
+          </a:p>
+        </p:txBody>
+      </p:sp>
+      <p:sp>
+        <p:nvSpPr>
+          <p:cNvPr id="11" name="Rectangle 10"/>
+          <p:cNvSpPr/>
+          <p:nvPr/>
+        </p:nvSpPr>
+        <p:spPr>
+          <a:xfrm>
+            <a:off x="8658225" y="1571625"/>
+            <a:ext cx="3000375" cy="4081463"/>
+          </a:xfrm>
+          <a:prstGeom prst="rect">
+            <a:avLst/>
+          </a:prstGeom>
+          <a:solidFill>
+            <a:schemeClr val="accent4">
+              <a:lumMod val="20000"/>
+              <a:lumOff val="80000"/>
+            </a:schemeClr>
+          </a:solidFill>
+        </p:spPr>
+        <p:style>
+          <a:lnRef idx="2">
+            <a:schemeClr val="accent1">
+              <a:shade val="50000"/>
+            </a:schemeClr>
+          </a:lnRef>
+          <a:fillRef idx="1">
+            <a:schemeClr val="accent1"/>
+          </a:fillRef>
+          <a:effectRef idx="0">
+            <a:schemeClr val="accent1"/>
+          </a:effectRef>
+          <a:fontRef idx="minor">
+            <a:schemeClr val="lt1"/>
+          </a:fontRef>
+        </p:style>
+        <p:txBody>
+          <a:bodyPr rtlCol="0" anchor="ctr"/>
+          <a:lstStyle/>
+          <a:p>
+            <a:pPr algn="ctr"/>
+            <a:r>
+              <a:rPr lang="en-US" dirty="0" smtClean="0">
+                <a:solidFill>
+                  <a:sysClr val="windowText" lastClr="000000"/>
+                </a:solidFill>
+              </a:rPr>
+              <a:t>Hyperlinks e.g.</a:t>
+            </a:r>
+          </a:p>
+          <a:p>
+            <a:pPr marL="285750" indent="-285750" algn="ctr">
+              <a:buFont typeface="Arial" charset="0"/>
+              <a:buChar char="•"/>
+            </a:pPr>
+            <a:r>
+              <a:rPr lang="en-US" dirty="0" smtClean="0">
+                <a:solidFill>
+                  <a:sysClr val="windowText" lastClr="000000"/>
+                </a:solidFill>
+              </a:rPr>
+              <a:t>Library branches</a:t>
+            </a:r>
+          </a:p>
+          <a:p>
+            <a:pPr marL="285750" indent="-285750" algn="ctr">
+              <a:buFont typeface="Arial" charset="0"/>
+              <a:buChar char="•"/>
+            </a:pPr>
+            <a:r>
+              <a:rPr lang="en-US" dirty="0" smtClean="0">
+                <a:solidFill>
+                  <a:sysClr val="windowText" lastClr="000000"/>
+                </a:solidFill>
+              </a:rPr>
+              <a:t>Opening times </a:t>
+            </a:r>
+            <a:endParaRPr lang="en-US" dirty="0">
+              <a:solidFill>
+                <a:sysClr val="windowText" lastClr="000000"/>
+              </a:solidFill>
+            </a:endParaRPr>
+          </a:p>
+        </p:txBody>
+      </p:sp>
+      <p:sp>
+        <p:nvSpPr>
+          <p:cNvPr id="7" name="Rectangle 6"/>
+          <p:cNvSpPr/>
+          <p:nvPr/>
+        </p:nvSpPr>
+        <p:spPr>
+          <a:xfrm>
+            <a:off x="0" y="6500813"/>
+            <a:ext cx="12192000" cy="357187"/>
+          </a:xfrm>
+          <a:prstGeom prst="rect">
+            <a:avLst/>
+          </a:prstGeom>
+          <a:solidFill>
+            <a:schemeClr val="bg1">
+              <a:lumMod val="65000"/>
+            </a:schemeClr>
+          </a:solidFill>
+        </p:spPr>
+        <p:style>
+          <a:lnRef idx="2">
+            <a:schemeClr val="accent1">
+              <a:shade val="50000"/>
+            </a:schemeClr>
+          </a:lnRef>
+          <a:fillRef idx="1">
+            <a:schemeClr val="accent1"/>
+          </a:fillRef>
+          <a:effectRef idx="0">
+            <a:schemeClr val="accent1"/>
+          </a:effectRef>
+          <a:fontRef idx="minor">
+            <a:schemeClr val="lt1"/>
+          </a:fontRef>
+        </p:style>
+        <p:txBody>
+          <a:bodyPr rtlCol="0" anchor="ctr"/>
+          <a:lstStyle/>
+          <a:p>
+            <a:pPr algn="ctr"/>
+            <a:r>
+              <a:rPr lang="en-US" dirty="0" smtClean="0"/>
+              <a:t>Terms of use, contact us</a:t>
+            </a:r>
+            <a:r>
+              <a:rPr lang="en-US" smtClean="0"/>
+              <a:t>, accessibility</a:t>
+            </a:r>
+            <a:endParaRPr lang="en-US"/>
+          </a:p>
+        </p:txBody>
+      </p:sp>
+    </p:spTree>
+    <p:extLst>
+      <p:ext uri="{BB962C8B-B14F-4D97-AF65-F5344CB8AC3E}">
+        <p14:creationId xmlns:p14="http://schemas.microsoft.com/office/powerpoint/2010/main" val="878524606"/>
+      </p:ext>
+    </p:extLst>
+  </p:cSld>
+  <p:clrMapOvr>
+    <a:masterClrMapping/>
+  </p:clrMapOvr>
+  <p:timing>
+    <p:tnLst>
+      <p:par>
+        <p:cTn id="1" dur="indefinite" restart="never" nodeType="tmRoot"/>
+      </p:par>
+    </p:tnLst>
+  </p:timing>
+</p:sld>
+</file>
+
+<file path=ppt/slides/slide17.xml><?xml version="1.0" encoding="utf-8"?>
+<p:sld xmlns:a="http://schemas.openxmlformats.org/drawingml/2006/main" xmlns:r="http://schemas.openxmlformats.org/officeDocument/2006/relationships" xmlns:p="http://schemas.openxmlformats.org/presentationml/2006/main">
+  <p:cSld>
+    <p:spTree>
+      <p:nvGrpSpPr>
+        <p:cNvPr id="1" name=""/>
+        <p:cNvGrpSpPr/>
+        <p:nvPr/>
+      </p:nvGrpSpPr>
+      <p:grpSpPr>
+        <a:xfrm>
+          <a:off x="0" y="0"/>
+          <a:ext cx="0" cy="0"/>
+          <a:chOff x="0" y="0"/>
+          <a:chExt cx="0" cy="0"/>
+        </a:xfrm>
+      </p:grpSpPr>
+      <p:sp>
+        <p:nvSpPr>
+          <p:cNvPr id="4" name="TextBox 3"/>
+          <p:cNvSpPr txBox="1"/>
+          <p:nvPr/>
+        </p:nvSpPr>
+        <p:spPr>
+          <a:xfrm>
             <a:off x="0" y="381000"/>
             <a:ext cx="12192000" cy="369332"/>
           </a:xfrm>
@@ -6292,7 +8542,7 @@
 </p:sld>
 </file>
 
-<file path=ppt/slides/slide13.xml><?xml version="1.0" encoding="utf-8"?>
+<file path=ppt/slides/slide18.xml><?xml version="1.0" encoding="utf-8"?>
 <p:sld xmlns:a="http://schemas.openxmlformats.org/drawingml/2006/main" xmlns:r="http://schemas.openxmlformats.org/officeDocument/2006/relationships" xmlns:p="http://schemas.openxmlformats.org/presentationml/2006/main">
   <p:cSld>
     <p:spTree>
@@ -7604,10 +9854,7 @@
             <a:avLst/>
           </a:prstGeom>
           <a:solidFill>
-            <a:schemeClr val="accent2">
-              <a:lumMod val="60000"/>
-              <a:lumOff val="40000"/>
-            </a:schemeClr>
+            <a:srgbClr val="C00000"/>
           </a:solidFill>
         </p:spPr>
         <p:style>
@@ -7632,12 +9879,12 @@
           <a:p>
             <a:pPr algn="ctr"/>
             <a:r>
-              <a:rPr lang="en-US" dirty="0" smtClean="0">
+              <a:rPr lang="en-US" smtClean="0">
                 <a:solidFill>
                   <a:sysClr val="windowText" lastClr="000000"/>
                 </a:solidFill>
               </a:rPr>
-              <a:t>Reserve / Renew books</a:t>
+              <a:t>Retry search</a:t>
             </a:r>
             <a:endParaRPr lang="en-US" dirty="0">
               <a:solidFill>
@@ -7921,7 +10168,7 @@
     </p:spTree>
     <p:extLst>
       <p:ext uri="{BB962C8B-B14F-4D97-AF65-F5344CB8AC3E}">
-        <p14:creationId xmlns:p14="http://schemas.microsoft.com/office/powerpoint/2010/main" val="167734649"/>
+        <p14:creationId xmlns:p14="http://schemas.microsoft.com/office/powerpoint/2010/main" val="1484795108"/>
       </p:ext>
     </p:extLst>
   </p:cSld>
@@ -7970,9 +10217,9 @@
             <a:avLst/>
           </a:prstGeom>
           <a:solidFill>
-            <a:schemeClr val="accent2">
-              <a:lumMod val="20000"/>
-              <a:lumOff val="80000"/>
+            <a:schemeClr val="accent4">
+              <a:lumMod val="40000"/>
+              <a:lumOff val="60000"/>
             </a:schemeClr>
           </a:solidFill>
         </p:spPr>
@@ -7984,7 +10231,7 @@
           <a:p>
             <a:r>
               <a:rPr lang="en-US" dirty="0" smtClean="0"/>
-              <a:t>Join a library</a:t>
+              <a:t>Search, renew and reserve books</a:t>
             </a:r>
             <a:endParaRPr lang="en-US" dirty="0"/>
           </a:p>
@@ -7998,14 +10245,14 @@
         </p:nvSpPr>
         <p:spPr>
           <a:xfrm>
-            <a:off x="857251" y="1131332"/>
-            <a:ext cx="7258050" cy="5200649"/>
+            <a:off x="1800225" y="1571625"/>
+            <a:ext cx="5014913" cy="4633911"/>
           </a:xfrm>
           <a:prstGeom prst="rect">
             <a:avLst/>
           </a:prstGeom>
           <a:solidFill>
-            <a:schemeClr val="accent6">
+            <a:schemeClr val="accent2">
               <a:lumMod val="60000"/>
               <a:lumOff val="40000"/>
             </a:schemeClr>
@@ -8038,27 +10285,21 @@
                   <a:sysClr val="windowText" lastClr="000000"/>
                 </a:solidFill>
               </a:rPr>
-              <a:t>Information on how to join a library</a:t>
-            </a:r>
-          </a:p>
-          <a:p>
-            <a:pPr algn="ctr"/>
+              <a:t>Borrow </a:t>
+            </a:r>
+            <a:r>
+              <a:rPr lang="en-US" dirty="0" smtClean="0">
+                <a:solidFill>
+                  <a:sysClr val="windowText" lastClr="000000"/>
+                </a:solidFill>
+              </a:rPr>
+              <a:t>/ Renew books</a:t>
+            </a:r>
             <a:endParaRPr lang="en-US" dirty="0">
               <a:solidFill>
                 <a:sysClr val="windowText" lastClr="000000"/>
               </a:solidFill>
             </a:endParaRPr>
-          </a:p>
-          <a:p>
-            <a:pPr algn="ctr"/>
-            <a:r>
-              <a:rPr lang="en-US" dirty="0" smtClean="0">
-                <a:solidFill>
-                  <a:sysClr val="windowText" lastClr="000000"/>
-                </a:solidFill>
-              </a:rPr>
-              <a:t>Online application form</a:t>
-            </a:r>
           </a:p>
         </p:txBody>
       </p:sp>
@@ -8224,7 +10465,65 @@
       </p:sp>
       <p:sp>
         <p:nvSpPr>
-          <p:cNvPr id="12" name="Rectangle 11"/>
+          <p:cNvPr id="2" name="Rectangle 1"/>
+          <p:cNvSpPr/>
+          <p:nvPr/>
+        </p:nvSpPr>
+        <p:spPr>
+          <a:xfrm>
+            <a:off x="0" y="750332"/>
+            <a:ext cx="12192000" cy="578406"/>
+          </a:xfrm>
+          <a:prstGeom prst="rect">
+            <a:avLst/>
+          </a:prstGeom>
+          <a:solidFill>
+            <a:schemeClr val="accent5">
+              <a:lumMod val="60000"/>
+              <a:lumOff val="40000"/>
+            </a:schemeClr>
+          </a:solidFill>
+        </p:spPr>
+        <p:style>
+          <a:lnRef idx="2">
+            <a:schemeClr val="accent1">
+              <a:shade val="50000"/>
+            </a:schemeClr>
+          </a:lnRef>
+          <a:fillRef idx="1">
+            <a:schemeClr val="accent1"/>
+          </a:fillRef>
+          <a:effectRef idx="0">
+            <a:schemeClr val="accent1"/>
+          </a:effectRef>
+          <a:fontRef idx="minor">
+            <a:schemeClr val="lt1"/>
+          </a:fontRef>
+        </p:style>
+        <p:txBody>
+          <a:bodyPr rtlCol="0" anchor="ctr"/>
+          <a:lstStyle/>
+          <a:p>
+            <a:pPr algn="ctr"/>
+            <a:r>
+              <a:rPr lang="en-US" dirty="0" smtClean="0"/>
+              <a:t>SEARCH FUNCTION </a:t>
+            </a:r>
+            <a:r>
+              <a:rPr lang="mr-IN" dirty="0" smtClean="0"/>
+              <a:t>–</a:t>
+            </a:r>
+            <a:r>
+              <a:rPr lang="en-US" dirty="0" smtClean="0"/>
+              <a:t> search for: [book, digital]           search by: [name, ISBN, title, author]  </a:t>
+            </a:r>
+            <a:endParaRPr lang="en-US" dirty="0"/>
+          </a:p>
+        </p:txBody>
+      </p:sp>
+      <p:sp>
+        <p:nvSpPr>
+          <p:cNvPr id="3" name="Rectangle 2"/>
           <p:cNvSpPr/>
           <p:nvPr/>
         </p:nvSpPr>
@@ -8278,7 +10577,7 @@
     </p:spTree>
     <p:extLst>
       <p:ext uri="{BB962C8B-B14F-4D97-AF65-F5344CB8AC3E}">
-        <p14:creationId xmlns:p14="http://schemas.microsoft.com/office/powerpoint/2010/main" val="1431496373"/>
+        <p14:creationId xmlns:p14="http://schemas.microsoft.com/office/powerpoint/2010/main" val="1846016726"/>
       </p:ext>
     </p:extLst>
   </p:cSld>
@@ -8341,7 +10640,7 @@
           <a:p>
             <a:r>
               <a:rPr lang="en-US" dirty="0" smtClean="0"/>
-              <a:t>Online Application form</a:t>
+              <a:t>Search, renew and reserve books</a:t>
             </a:r>
             <a:endParaRPr lang="en-US" dirty="0"/>
           </a:p>
@@ -8355,17 +10654,14 @@
         </p:nvSpPr>
         <p:spPr>
           <a:xfrm>
-            <a:off x="2143125" y="1012031"/>
-            <a:ext cx="4643438" cy="5200649"/>
+            <a:off x="1800225" y="1571625"/>
+            <a:ext cx="5014913" cy="4633911"/>
           </a:xfrm>
           <a:prstGeom prst="rect">
             <a:avLst/>
           </a:prstGeom>
           <a:solidFill>
-            <a:schemeClr val="accent2">
-              <a:lumMod val="60000"/>
-              <a:lumOff val="40000"/>
-            </a:schemeClr>
+            <a:srgbClr val="C00000"/>
           </a:solidFill>
         </p:spPr>
         <p:style>
@@ -8395,74 +10691,9 @@
                   <a:sysClr val="windowText" lastClr="000000"/>
                 </a:solidFill>
               </a:rPr>
-              <a:t>Online application form</a:t>
-            </a:r>
-          </a:p>
-          <a:p>
-            <a:pPr algn="ctr"/>
-            <a:endParaRPr lang="en-US" dirty="0" smtClean="0">
-              <a:solidFill>
-                <a:sysClr val="windowText" lastClr="000000"/>
-              </a:solidFill>
-            </a:endParaRPr>
-          </a:p>
-          <a:p>
-            <a:pPr algn="ctr"/>
-            <a:r>
-              <a:rPr lang="en-US" dirty="0" smtClean="0">
-                <a:solidFill>
-                  <a:sysClr val="windowText" lastClr="000000"/>
-                </a:solidFill>
-              </a:rPr>
-              <a:t>(Form upload w/ Avatar)</a:t>
-            </a:r>
-          </a:p>
-          <a:p>
-            <a:pPr algn="ctr"/>
+              <a:t>Retry borrowing book / Advise to contact librarian</a:t>
+            </a:r>
             <a:endParaRPr lang="en-US" dirty="0">
-              <a:solidFill>
-                <a:sysClr val="windowText" lastClr="000000"/>
-              </a:solidFill>
-            </a:endParaRPr>
-          </a:p>
-          <a:p>
-            <a:pPr algn="ctr"/>
-            <a:r>
-              <a:rPr lang="en-US" dirty="0" smtClean="0">
-                <a:solidFill>
-                  <a:sysClr val="windowText" lastClr="000000"/>
-                </a:solidFill>
-              </a:rPr>
-              <a:t>If it works </a:t>
-            </a:r>
-            <a:r>
-              <a:rPr lang="mr-IN" dirty="0" smtClean="0">
-                <a:solidFill>
-                  <a:sysClr val="windowText" lastClr="000000"/>
-                </a:solidFill>
-              </a:rPr>
-              <a:t>–</a:t>
-            </a:r>
-            <a:r>
-              <a:rPr lang="en-US" dirty="0" smtClean="0">
-                <a:solidFill>
-                  <a:sysClr val="windowText" lastClr="000000"/>
-                </a:solidFill>
-              </a:rPr>
-              <a:t> echoes out user information (S)</a:t>
-            </a:r>
-          </a:p>
-          <a:p>
-            <a:pPr algn="ctr"/>
-            <a:r>
-              <a:rPr lang="en-US" dirty="0" smtClean="0">
-                <a:solidFill>
-                  <a:sysClr val="windowText" lastClr="000000"/>
-                </a:solidFill>
-              </a:rPr>
-              <a:t>- If does not work, provide error message (R)</a:t>
-            </a:r>
-            <a:endParaRPr lang="en-US" dirty="0" smtClean="0">
               <a:solidFill>
                 <a:sysClr val="windowText" lastClr="000000"/>
               </a:solidFill>
@@ -8632,7 +10863,65 @@
       </p:sp>
       <p:sp>
         <p:nvSpPr>
-          <p:cNvPr id="7" name="Rectangle 6"/>
+          <p:cNvPr id="2" name="Rectangle 1"/>
+          <p:cNvSpPr/>
+          <p:nvPr/>
+        </p:nvSpPr>
+        <p:spPr>
+          <a:xfrm>
+            <a:off x="0" y="750332"/>
+            <a:ext cx="12192000" cy="578406"/>
+          </a:xfrm>
+          <a:prstGeom prst="rect">
+            <a:avLst/>
+          </a:prstGeom>
+          <a:solidFill>
+            <a:schemeClr val="accent5">
+              <a:lumMod val="60000"/>
+              <a:lumOff val="40000"/>
+            </a:schemeClr>
+          </a:solidFill>
+        </p:spPr>
+        <p:style>
+          <a:lnRef idx="2">
+            <a:schemeClr val="accent1">
+              <a:shade val="50000"/>
+            </a:schemeClr>
+          </a:lnRef>
+          <a:fillRef idx="1">
+            <a:schemeClr val="accent1"/>
+          </a:fillRef>
+          <a:effectRef idx="0">
+            <a:schemeClr val="accent1"/>
+          </a:effectRef>
+          <a:fontRef idx="minor">
+            <a:schemeClr val="lt1"/>
+          </a:fontRef>
+        </p:style>
+        <p:txBody>
+          <a:bodyPr rtlCol="0" anchor="ctr"/>
+          <a:lstStyle/>
+          <a:p>
+            <a:pPr algn="ctr"/>
+            <a:r>
+              <a:rPr lang="en-US" dirty="0" smtClean="0"/>
+              <a:t>SEARCH FUNCTION </a:t>
+            </a:r>
+            <a:r>
+              <a:rPr lang="mr-IN" dirty="0" smtClean="0"/>
+              <a:t>–</a:t>
+            </a:r>
+            <a:r>
+              <a:rPr lang="en-US" dirty="0" smtClean="0"/>
+              <a:t> search for: [book, digital]           search by: [name, ISBN, title, author]  </a:t>
+            </a:r>
+            <a:endParaRPr lang="en-US" dirty="0"/>
+          </a:p>
+        </p:txBody>
+      </p:sp>
+      <p:sp>
+        <p:nvSpPr>
+          <p:cNvPr id="3" name="Rectangle 2"/>
           <p:cNvSpPr/>
           <p:nvPr/>
         </p:nvSpPr>
@@ -8686,7 +10975,7 @@
     </p:spTree>
     <p:extLst>
       <p:ext uri="{BB962C8B-B14F-4D97-AF65-F5344CB8AC3E}">
-        <p14:creationId xmlns:p14="http://schemas.microsoft.com/office/powerpoint/2010/main" val="440513700"/>
+        <p14:creationId xmlns:p14="http://schemas.microsoft.com/office/powerpoint/2010/main" val="28624595"/>
       </p:ext>
     </p:extLst>
   </p:cSld>
@@ -8749,7 +11038,7 @@
           <a:p>
             <a:r>
               <a:rPr lang="en-US" dirty="0" smtClean="0"/>
-              <a:t>Recommended reads</a:t>
+              <a:t>Join a library</a:t>
             </a:r>
             <a:endParaRPr lang="en-US" dirty="0"/>
           </a:p>
@@ -8803,13 +11092,27 @@
                   <a:sysClr val="windowText" lastClr="000000"/>
                 </a:solidFill>
               </a:rPr>
-              <a:t>List of recommended reads for the month</a:t>
-            </a:r>
-            <a:endParaRPr lang="en-US" dirty="0" smtClean="0">
+              <a:t>Information on how to join a library</a:t>
+            </a:r>
+          </a:p>
+          <a:p>
+            <a:pPr algn="ctr"/>
+            <a:endParaRPr lang="en-US" dirty="0">
               <a:solidFill>
                 <a:sysClr val="windowText" lastClr="000000"/>
               </a:solidFill>
             </a:endParaRPr>
+          </a:p>
+          <a:p>
+            <a:pPr algn="ctr"/>
+            <a:r>
+              <a:rPr lang="en-US" dirty="0" smtClean="0">
+                <a:solidFill>
+                  <a:sysClr val="windowText" lastClr="000000"/>
+                </a:solidFill>
+              </a:rPr>
+              <a:t>Online application form</a:t>
+            </a:r>
           </a:p>
         </p:txBody>
       </p:sp>
@@ -8975,7 +11278,7 @@
       </p:sp>
       <p:sp>
         <p:nvSpPr>
-          <p:cNvPr id="7" name="Rectangle 6"/>
+          <p:cNvPr id="12" name="Rectangle 11"/>
           <p:cNvSpPr/>
           <p:nvPr/>
         </p:nvSpPr>
@@ -9029,7 +11332,7 @@
     </p:spTree>
     <p:extLst>
       <p:ext uri="{BB962C8B-B14F-4D97-AF65-F5344CB8AC3E}">
-        <p14:creationId xmlns:p14="http://schemas.microsoft.com/office/powerpoint/2010/main" val="1073424318"/>
+        <p14:creationId xmlns:p14="http://schemas.microsoft.com/office/powerpoint/2010/main" val="1431496373"/>
       </p:ext>
     </p:extLst>
   </p:cSld>
@@ -9078,9 +11381,9 @@
             <a:avLst/>
           </a:prstGeom>
           <a:solidFill>
-            <a:schemeClr val="accent2">
-              <a:lumMod val="20000"/>
-              <a:lumOff val="80000"/>
+            <a:schemeClr val="accent4">
+              <a:lumMod val="40000"/>
+              <a:lumOff val="60000"/>
             </a:schemeClr>
           </a:solidFill>
         </p:spPr>
@@ -9092,7 +11395,7 @@
           <a:p>
             <a:r>
               <a:rPr lang="en-US" dirty="0" smtClean="0"/>
-              <a:t>Audio and e-books</a:t>
+              <a:t>Online Application form</a:t>
             </a:r>
             <a:endParaRPr lang="en-US" dirty="0"/>
           </a:p>
@@ -9106,14 +11409,14 @@
         </p:nvSpPr>
         <p:spPr>
           <a:xfrm>
-            <a:off x="857251" y="1131332"/>
-            <a:ext cx="7258050" cy="5200649"/>
+            <a:off x="2143125" y="1012031"/>
+            <a:ext cx="4643438" cy="5200649"/>
           </a:xfrm>
           <a:prstGeom prst="rect">
             <a:avLst/>
           </a:prstGeom>
           <a:solidFill>
-            <a:schemeClr val="accent6">
+            <a:schemeClr val="accent2">
               <a:lumMod val="60000"/>
               <a:lumOff val="40000"/>
             </a:schemeClr>
@@ -9146,31 +11449,7 @@
                   <a:sysClr val="windowText" lastClr="000000"/>
                 </a:solidFill>
               </a:rPr>
-              <a:t>Information on audio </a:t>
-            </a:r>
-            <a:r>
-              <a:rPr lang="en-US" smtClean="0">
-                <a:solidFill>
-                  <a:sysClr val="windowText" lastClr="000000"/>
-                </a:solidFill>
-              </a:rPr>
-              <a:t>and e</a:t>
-            </a:r>
-            <a:r>
-              <a:rPr lang="mr-IN" dirty="0" smtClean="0">
-                <a:solidFill>
-                  <a:sysClr val="windowText" lastClr="000000"/>
-                </a:solidFill>
-              </a:rPr>
-              <a:t>–</a:t>
-            </a:r>
-            <a:r>
-              <a:rPr lang="en-US" dirty="0" smtClean="0">
-                <a:solidFill>
-                  <a:sysClr val="windowText" lastClr="000000"/>
-                </a:solidFill>
-              </a:rPr>
-              <a:t>books</a:t>
+              <a:t>Online application form</a:t>
             </a:r>
           </a:p>
           <a:p>
@@ -9189,13 +11468,54 @@
                   <a:sysClr val="windowText" lastClr="000000"/>
                 </a:solidFill>
               </a:rPr>
-              <a:t>Link to library catalogue</a:t>
-            </a:r>
-            <a:endParaRPr lang="en-US" dirty="0" smtClean="0">
+              <a:t>(Form upload w/ Avatar)</a:t>
+            </a:r>
+          </a:p>
+          <a:p>
+            <a:pPr algn="ctr"/>
+            <a:endParaRPr lang="en-US" dirty="0">
               <a:solidFill>
                 <a:sysClr val="windowText" lastClr="000000"/>
               </a:solidFill>
             </a:endParaRPr>
+          </a:p>
+          <a:p>
+            <a:pPr algn="ctr"/>
+            <a:r>
+              <a:rPr lang="en-US" dirty="0" smtClean="0">
+                <a:solidFill>
+                  <a:sysClr val="windowText" lastClr="000000"/>
+                </a:solidFill>
+              </a:rPr>
+              <a:t>If it works </a:t>
+            </a:r>
+            <a:r>
+              <a:rPr lang="mr-IN" dirty="0" smtClean="0">
+                <a:solidFill>
+                  <a:sysClr val="windowText" lastClr="000000"/>
+                </a:solidFill>
+              </a:rPr>
+              <a:t>–</a:t>
+            </a:r>
+            <a:r>
+              <a:rPr lang="en-US" dirty="0" smtClean="0">
+                <a:solidFill>
+                  <a:sysClr val="windowText" lastClr="000000"/>
+                </a:solidFill>
+              </a:rPr>
+              <a:t> echoes out user information (S)</a:t>
+            </a:r>
+          </a:p>
+          <a:p>
+            <a:pPr algn="ctr"/>
+            <a:r>
+              <a:rPr lang="en-US" dirty="0" smtClean="0">
+                <a:solidFill>
+                  <a:sysClr val="windowText" lastClr="000000"/>
+                </a:solidFill>
+              </a:rPr>
+              <a:t>- If does not work, provide error message (R)</a:t>
+            </a:r>
           </a:p>
         </p:txBody>
       </p:sp>
@@ -9415,7 +11735,7 @@
     </p:spTree>
     <p:extLst>
       <p:ext uri="{BB962C8B-B14F-4D97-AF65-F5344CB8AC3E}">
-        <p14:creationId xmlns:p14="http://schemas.microsoft.com/office/powerpoint/2010/main" val="1667591445"/>
+        <p14:creationId xmlns:p14="http://schemas.microsoft.com/office/powerpoint/2010/main" val="440513700"/>
       </p:ext>
     </p:extLst>
   </p:cSld>
@@ -9457,16 +11777,16 @@
         </p:nvSpPr>
         <p:spPr>
           <a:xfrm>
-            <a:off x="0" y="351354"/>
+            <a:off x="0" y="381000"/>
             <a:ext cx="12192000" cy="369332"/>
           </a:xfrm>
           <a:prstGeom prst="rect">
             <a:avLst/>
           </a:prstGeom>
           <a:solidFill>
-            <a:schemeClr val="accent2">
-              <a:lumMod val="20000"/>
-              <a:lumOff val="80000"/>
+            <a:schemeClr val="accent4">
+              <a:lumMod val="40000"/>
+              <a:lumOff val="60000"/>
             </a:schemeClr>
           </a:solidFill>
         </p:spPr>
@@ -9478,7 +11798,7 @@
           <a:p>
             <a:r>
               <a:rPr lang="en-US" dirty="0" smtClean="0"/>
-              <a:t>Events and Activities</a:t>
+              <a:t>Online Application form</a:t>
             </a:r>
             <a:endParaRPr lang="en-US" dirty="0"/>
           </a:p>
@@ -9492,17 +11812,14 @@
         </p:nvSpPr>
         <p:spPr>
           <a:xfrm>
-            <a:off x="857251" y="1131332"/>
-            <a:ext cx="7258050" cy="5200649"/>
+            <a:off x="2143125" y="1012031"/>
+            <a:ext cx="4643438" cy="5200649"/>
           </a:xfrm>
           <a:prstGeom prst="rect">
             <a:avLst/>
           </a:prstGeom>
           <a:solidFill>
-            <a:schemeClr val="accent6">
-              <a:lumMod val="60000"/>
-              <a:lumOff val="40000"/>
-            </a:schemeClr>
+            <a:srgbClr val="C00000"/>
           </a:solidFill>
         </p:spPr>
         <p:style>
@@ -9527,76 +11844,28 @@
           <a:p>
             <a:pPr algn="ctr"/>
             <a:r>
-              <a:rPr lang="en-US" dirty="0" smtClean="0">
+              <a:rPr lang="en-GB" dirty="0" smtClean="0">
                 <a:solidFill>
                   <a:sysClr val="windowText" lastClr="000000"/>
                 </a:solidFill>
               </a:rPr>
-              <a:t>Information regarding events:</a:t>
-            </a:r>
-          </a:p>
-          <a:p>
-            <a:pPr marL="285750" indent="-285750" algn="ctr">
-              <a:buFontTx/>
-              <a:buChar char="-"/>
-            </a:pPr>
-            <a:r>
-              <a:rPr lang="en-US" dirty="0" smtClean="0">
+              <a:t>User prompted to retry </a:t>
+            </a:r>
+            <a:r>
+              <a:rPr lang="mr-IN" dirty="0" smtClean="0">
                 <a:solidFill>
                   <a:sysClr val="windowText" lastClr="000000"/>
                 </a:solidFill>
               </a:rPr>
-              <a:t>Half-terms</a:t>
-            </a:r>
-          </a:p>
-          <a:p>
-            <a:pPr marL="285750" indent="-285750" algn="ctr">
-              <a:buFontTx/>
-              <a:buChar char="-"/>
-            </a:pPr>
-            <a:r>
-              <a:rPr lang="en-US" dirty="0">
+              <a:t>–</a:t>
+            </a:r>
+            <a:r>
+              <a:rPr lang="en-GB" dirty="0" smtClean="0">
                 <a:solidFill>
                   <a:sysClr val="windowText" lastClr="000000"/>
                 </a:solidFill>
               </a:rPr>
-              <a:t>R</a:t>
-            </a:r>
-            <a:r>
-              <a:rPr lang="en-US" dirty="0" smtClean="0">
-                <a:solidFill>
-                  <a:sysClr val="windowText" lastClr="000000"/>
-                </a:solidFill>
-              </a:rPr>
-              <a:t>eading clubs</a:t>
-            </a:r>
-          </a:p>
-          <a:p>
-            <a:pPr marL="285750" indent="-285750" algn="ctr">
-              <a:buFontTx/>
-              <a:buChar char="-"/>
-            </a:pPr>
-            <a:r>
-              <a:rPr lang="en-US" dirty="0" smtClean="0">
-                <a:solidFill>
-                  <a:sysClr val="windowText" lastClr="000000"/>
-                </a:solidFill>
-              </a:rPr>
-              <a:t>Evenings</a:t>
-            </a:r>
-          </a:p>
-          <a:p>
-            <a:pPr marL="285750" indent="-285750" algn="ctr">
-              <a:buFontTx/>
-              <a:buChar char="-"/>
-            </a:pPr>
-            <a:r>
-              <a:rPr lang="en-US" dirty="0" smtClean="0">
-                <a:solidFill>
-                  <a:sysClr val="windowText" lastClr="000000"/>
-                </a:solidFill>
-              </a:rPr>
-              <a:t>Craft activities</a:t>
+              <a:t> advised of error type</a:t>
             </a:r>
             <a:endParaRPr lang="en-US" dirty="0" smtClean="0">
               <a:solidFill>
@@ -9822,7 +12091,7 @@
     </p:spTree>
     <p:extLst>
       <p:ext uri="{BB962C8B-B14F-4D97-AF65-F5344CB8AC3E}">
-        <p14:creationId xmlns:p14="http://schemas.microsoft.com/office/powerpoint/2010/main" val="611640561"/>
+        <p14:creationId xmlns:p14="http://schemas.microsoft.com/office/powerpoint/2010/main" val="490852607"/>
       </p:ext>
     </p:extLst>
   </p:cSld>
